--- a/pcep_multiple_ERO.pptx
+++ b/pcep_multiple_ERO.pptx
@@ -5,7 +5,7 @@
     <p:sldMasterId id="2147483648" r:id="rId1"/>
   </p:sldMasterIdLst>
   <p:notesMasterIdLst>
-    <p:notesMasterId r:id="rId15"/>
+    <p:notesMasterId r:id="rId14"/>
   </p:notesMasterIdLst>
   <p:sldIdLst>
     <p:sldId id="2215" r:id="rId2"/>
@@ -13,14 +13,13 @@
     <p:sldId id="608" r:id="rId4"/>
     <p:sldId id="616" r:id="rId5"/>
     <p:sldId id="617" r:id="rId6"/>
-    <p:sldId id="618" r:id="rId7"/>
-    <p:sldId id="2216" r:id="rId8"/>
-    <p:sldId id="619" r:id="rId9"/>
-    <p:sldId id="620" r:id="rId10"/>
-    <p:sldId id="621" r:id="rId11"/>
-    <p:sldId id="622" r:id="rId12"/>
-    <p:sldId id="624" r:id="rId13"/>
-    <p:sldId id="623" r:id="rId14"/>
+    <p:sldId id="619" r:id="rId7"/>
+    <p:sldId id="620" r:id="rId8"/>
+    <p:sldId id="621" r:id="rId9"/>
+    <p:sldId id="622" r:id="rId10"/>
+    <p:sldId id="624" r:id="rId11"/>
+    <p:sldId id="618" r:id="rId12"/>
+    <p:sldId id="2216" r:id="rId13"/>
   </p:sldIdLst>
   <p:sldSz cx="12192000" cy="6858000"/>
   <p:notesSz cx="6858000" cy="9144000"/>
@@ -209,7 +208,7 @@
           <a:p>
             <a:fld id="{8295CB86-4725-4EB5-B550-ECDE79252127}" type="datetimeFigureOut">
               <a:rPr lang="en-US" smtClean="0"/>
-              <a:t>7/23/2019</a:t>
+              <a:t>7/24/2019</a:t>
             </a:fld>
             <a:endParaRPr lang="en-US"/>
           </a:p>
@@ -623,7 +622,7 @@
           <a:p>
             <a:fld id="{9EDAD61D-B4CF-4D11-8516-8870F0B017B3}" type="datetime1">
               <a:rPr lang="en-US" smtClean="0"/>
-              <a:t>7/23/2019</a:t>
+              <a:t>7/24/2019</a:t>
             </a:fld>
             <a:endParaRPr lang="en-US"/>
           </a:p>
@@ -821,7 +820,7 @@
           <a:p>
             <a:fld id="{BCF30C72-116B-449A-BAE8-65102EC18827}" type="datetime1">
               <a:rPr lang="en-US" smtClean="0"/>
-              <a:t>7/23/2019</a:t>
+              <a:t>7/24/2019</a:t>
             </a:fld>
             <a:endParaRPr lang="en-US"/>
           </a:p>
@@ -1029,7 +1028,7 @@
           <a:p>
             <a:fld id="{CE4FD34A-DC45-4997-B8F6-C8340CBDB720}" type="datetime1">
               <a:rPr lang="en-US" smtClean="0"/>
-              <a:t>7/23/2019</a:t>
+              <a:t>7/24/2019</a:t>
             </a:fld>
             <a:endParaRPr lang="en-US"/>
           </a:p>
@@ -1227,7 +1226,7 @@
           <a:p>
             <a:fld id="{577DE490-9D9D-4EC4-A3F1-F874F8EB7801}" type="datetime1">
               <a:rPr lang="en-US" smtClean="0"/>
-              <a:t>7/23/2019</a:t>
+              <a:t>7/24/2019</a:t>
             </a:fld>
             <a:endParaRPr lang="en-US"/>
           </a:p>
@@ -1502,7 +1501,7 @@
           <a:p>
             <a:fld id="{E21BFC1F-C722-46F0-BE17-F1B395F0B7F2}" type="datetime1">
               <a:rPr lang="en-US" smtClean="0"/>
-              <a:t>7/23/2019</a:t>
+              <a:t>7/24/2019</a:t>
             </a:fld>
             <a:endParaRPr lang="en-US"/>
           </a:p>
@@ -1767,7 +1766,7 @@
           <a:p>
             <a:fld id="{ADBDB410-141A-4CDA-B7B1-36815D64BD6B}" type="datetime1">
               <a:rPr lang="en-US" smtClean="0"/>
-              <a:t>7/23/2019</a:t>
+              <a:t>7/24/2019</a:t>
             </a:fld>
             <a:endParaRPr lang="en-US"/>
           </a:p>
@@ -2179,7 +2178,7 @@
           <a:p>
             <a:fld id="{16E649C5-3924-4A6C-883B-2C737322D779}" type="datetime1">
               <a:rPr lang="en-US" smtClean="0"/>
-              <a:t>7/23/2019</a:t>
+              <a:t>7/24/2019</a:t>
             </a:fld>
             <a:endParaRPr lang="en-US"/>
           </a:p>
@@ -2320,7 +2319,7 @@
           <a:p>
             <a:fld id="{B048100B-C258-47C6-8F6E-4AF5F7ECE0CC}" type="datetime1">
               <a:rPr lang="en-US" smtClean="0"/>
-              <a:t>7/23/2019</a:t>
+              <a:t>7/24/2019</a:t>
             </a:fld>
             <a:endParaRPr lang="en-US"/>
           </a:p>
@@ -2433,7 +2432,7 @@
           <a:p>
             <a:fld id="{D2DB10C1-0FEF-458B-B9AB-444DBFBABE90}" type="datetime1">
               <a:rPr lang="en-US" smtClean="0"/>
-              <a:t>7/23/2019</a:t>
+              <a:t>7/24/2019</a:t>
             </a:fld>
             <a:endParaRPr lang="en-US"/>
           </a:p>
@@ -2744,7 +2743,7 @@
           <a:p>
             <a:fld id="{EF128D4F-4E81-4CE5-9DB1-14D4E60EA1A3}" type="datetime1">
               <a:rPr lang="en-US" smtClean="0"/>
-              <a:t>7/23/2019</a:t>
+              <a:t>7/24/2019</a:t>
             </a:fld>
             <a:endParaRPr lang="en-US"/>
           </a:p>
@@ -3032,7 +3031,7 @@
           <a:p>
             <a:fld id="{4A00C2DB-6D87-4C11-8184-BEC7AE385774}" type="datetime1">
               <a:rPr lang="en-US" smtClean="0"/>
-              <a:t>7/23/2019</a:t>
+              <a:t>7/24/2019</a:t>
             </a:fld>
             <a:endParaRPr lang="en-US"/>
           </a:p>
@@ -3273,7 +3272,7 @@
           <a:p>
             <a:fld id="{8D05C01D-9A90-48EB-B0A1-D4466965284B}" type="datetime1">
               <a:rPr lang="en-US" smtClean="0"/>
-              <a:t>7/23/2019</a:t>
+              <a:t>7/24/2019</a:t>
             </a:fld>
             <a:endParaRPr lang="en-US"/>
           </a:p>
@@ -3750,12 +3749,95 @@
             </a:pPr>
             <a:r>
               <a:rPr lang="en-US" sz="1600" i="1" dirty="0">
-                <a:latin typeface="+mj-lt"/>
                 <a:ea typeface="Calibri" charset="0"/>
                 <a:cs typeface="Calibri" charset="0"/>
               </a:rPr>
-              <a:t> </a:t>
-            </a:r>
+              <a:t>M. Koldychev – Cisco Systems (</a:t>
+            </a:r>
+            <a:r>
+              <a:rPr lang="en-US" sz="1600" i="1" dirty="0">
+                <a:ea typeface="Calibri" charset="0"/>
+                <a:cs typeface="Calibri" charset="0"/>
+                <a:hlinkClick r:id="rId2"/>
+              </a:rPr>
+              <a:t>mkoldych@cisco.com</a:t>
+            </a:r>
+            <a:r>
+              <a:rPr lang="en-US" sz="1600" i="1" dirty="0">
+                <a:ea typeface="Calibri" charset="0"/>
+                <a:cs typeface="Calibri" charset="0"/>
+              </a:rPr>
+              <a:t>) – Presenter</a:t>
+            </a:r>
+          </a:p>
+          <a:p>
+            <a:pPr>
+              <a:spcBef>
+                <a:spcPts val="0"/>
+              </a:spcBef>
+            </a:pPr>
+            <a:r>
+              <a:rPr lang="en-US" sz="1600" i="1" dirty="0">
+                <a:ea typeface="Calibri" charset="0"/>
+                <a:cs typeface="Calibri" charset="0"/>
+              </a:rPr>
+              <a:t>M. Sivabalan – Cisco Systems (</a:t>
+            </a:r>
+            <a:r>
+              <a:rPr lang="en-US" sz="1600" i="1" dirty="0">
+                <a:ea typeface="Calibri" charset="0"/>
+                <a:cs typeface="Calibri" charset="0"/>
+                <a:hlinkClick r:id="rId3"/>
+              </a:rPr>
+              <a:t>msiva@cisco.com</a:t>
+            </a:r>
+            <a:r>
+              <a:rPr lang="en-US" sz="1600" i="1" dirty="0">
+                <a:ea typeface="Calibri" charset="0"/>
+                <a:cs typeface="Calibri" charset="0"/>
+              </a:rPr>
+              <a:t>)</a:t>
+            </a:r>
+          </a:p>
+          <a:p>
+            <a:pPr>
+              <a:spcBef>
+                <a:spcPts val="0"/>
+              </a:spcBef>
+            </a:pPr>
+            <a:r>
+              <a:rPr lang="en-US" sz="1600" i="1" dirty="0">
+                <a:ea typeface="Calibri" charset="0"/>
+                <a:cs typeface="Calibri" charset="0"/>
+              </a:rPr>
+              <a:t>D. Dhody – Huawei Technologies (</a:t>
+            </a:r>
+            <a:r>
+              <a:rPr lang="en-US" sz="1600" i="1" dirty="0">
+                <a:ea typeface="Calibri" charset="0"/>
+                <a:cs typeface="Calibri" charset="0"/>
+                <a:hlinkClick r:id="rId4"/>
+              </a:rPr>
+              <a:t>dhruv.ietf@gmail.com</a:t>
+            </a:r>
+            <a:r>
+              <a:rPr lang="en-US" sz="1600" i="1" dirty="0">
+                <a:ea typeface="Calibri" charset="0"/>
+                <a:cs typeface="Calibri" charset="0"/>
+              </a:rPr>
+              <a:t>)</a:t>
+            </a:r>
+          </a:p>
+          <a:p>
+            <a:pPr>
+              <a:spcBef>
+                <a:spcPts val="0"/>
+              </a:spcBef>
+            </a:pPr>
+            <a:endParaRPr lang="en-US" sz="1600" i="1" dirty="0">
+              <a:ea typeface="Calibri" charset="0"/>
+              <a:cs typeface="Calibri" charset="0"/>
+            </a:endParaRPr>
           </a:p>
         </p:txBody>
       </p:sp>
@@ -3873,7 +3955,7 @@
           <p:nvPr/>
         </p:nvPicPr>
         <p:blipFill>
-          <a:blip r:embed="rId2"/>
+          <a:blip r:embed="rId5"/>
           <a:stretch>
             <a:fillRect/>
           </a:stretch>
@@ -4000,7 +4082,7 @@
             <a:pPr algn="ctr"/>
             <a:r>
               <a:rPr lang="en-US" dirty="0"/>
-              <a:t>Analysis of Solution 2b</a:t>
+              <a:t>Analysis of Option B (cont’d)</a:t>
             </a:r>
           </a:p>
         </p:txBody>
@@ -4023,113 +4105,141 @@
         </p:spPr>
         <p:txBody>
           <a:bodyPr>
-            <a:normAutofit/>
+            <a:normAutofit fontScale="70000" lnSpcReduction="20000"/>
           </a:bodyPr>
           <a:lstStyle/>
           <a:p>
             <a:pPr marL="0" indent="0">
-              <a:spcBef>
-                <a:spcPts val="0"/>
-              </a:spcBef>
-              <a:buClr>
-                <a:srgbClr val="6DB344"/>
-              </a:buClr>
+              <a:buNone/>
+            </a:pPr>
+            <a:r>
+              <a:rPr lang="en-US" dirty="0"/>
+              <a:t>For example, suppose the PCE was computing a path from Source A to Destination X and the result was 2 EROs: {A,B,X} and {A,C,X}. Suppose that the 2 EROs have UCMP weights 2 and 3 respectively. Then the PCE would encode this as follows:</a:t>
+            </a:r>
+          </a:p>
+          <a:p>
+            <a:pPr marL="0" indent="0">
+              <a:buNone/>
+            </a:pPr>
+            <a:r>
+              <a:rPr lang="en-US" dirty="0"/>
+              <a:t> </a:t>
+            </a:r>
+          </a:p>
+          <a:p>
+            <a:pPr marL="0" indent="0">
               <a:buNone/>
             </a:pPr>
             <a:r>
               <a:rPr lang="en-US" dirty="0">
-                <a:cs typeface="Arial" panose="020B0604020202020204" pitchFamily="34" charset="0"/>
-              </a:rPr>
-              <a:t>Solution 2: one LSP contains many EROs.</a:t>
-            </a:r>
-          </a:p>
-          <a:p>
-            <a:pPr marL="0" indent="0">
-              <a:spcBef>
-                <a:spcPts val="0"/>
-              </a:spcBef>
-              <a:buClr>
-                <a:srgbClr val="6DB344"/>
-              </a:buClr>
+                <a:latin typeface="Courier New" panose="02070309020205020404" pitchFamily="49" charset="0"/>
+                <a:cs typeface="Courier New" panose="02070309020205020404" pitchFamily="49" charset="0"/>
+              </a:rPr>
+              <a:t>Common Header</a:t>
+            </a:r>
+          </a:p>
+          <a:p>
+            <a:pPr marL="0" indent="0">
               <a:buNone/>
             </a:pPr>
             <a:r>
               <a:rPr lang="en-US" dirty="0">
-                <a:cs typeface="Arial" panose="020B0604020202020204" pitchFamily="34" charset="0"/>
-              </a:rPr>
-              <a:t> Option 2b: follow RFC 8623 for encoding multiple EROs.</a:t>
-            </a:r>
-          </a:p>
-          <a:p>
-            <a:pPr marL="0" indent="0">
-              <a:spcBef>
-                <a:spcPts val="0"/>
-              </a:spcBef>
-              <a:buClr>
-                <a:srgbClr val="6DB344"/>
-              </a:buClr>
+                <a:latin typeface="Courier New" panose="02070309020205020404" pitchFamily="49" charset="0"/>
+                <a:cs typeface="Courier New" panose="02070309020205020404" pitchFamily="49" charset="0"/>
+              </a:rPr>
+              <a:t>  LSP</a:t>
+            </a:r>
+          </a:p>
+          <a:p>
+            <a:pPr marL="0" indent="0">
+              <a:buNone/>
+            </a:pPr>
+            <a:r>
+              <a:rPr lang="en-US" dirty="0">
+                <a:latin typeface="Courier New" panose="02070309020205020404" pitchFamily="49" charset="0"/>
+                <a:cs typeface="Courier New" panose="02070309020205020404" pitchFamily="49" charset="0"/>
+              </a:rPr>
+              <a:t>  END-POINTS (SRC=A, DEST=X)</a:t>
+            </a:r>
+          </a:p>
+          <a:p>
+            <a:pPr marL="0" indent="0">
+              <a:buNone/>
+            </a:pPr>
+            <a:r>
+              <a:rPr lang="en-US" dirty="0">
+                <a:latin typeface="Courier New" panose="02070309020205020404" pitchFamily="49" charset="0"/>
+                <a:cs typeface="Courier New" panose="02070309020205020404" pitchFamily="49" charset="0"/>
+              </a:rPr>
+              <a:t>   S2LS (O=UP, WEIGHT=2)</a:t>
+            </a:r>
+          </a:p>
+          <a:p>
+            <a:pPr marL="0" indent="0">
+              <a:buNone/>
+            </a:pPr>
+            <a:r>
+              <a:rPr lang="en-US" dirty="0">
+                <a:latin typeface="Courier New" panose="02070309020205020404" pitchFamily="49" charset="0"/>
+                <a:cs typeface="Courier New" panose="02070309020205020404" pitchFamily="49" charset="0"/>
+              </a:rPr>
+              <a:t>    ERO1={A,B,X}</a:t>
+            </a:r>
+          </a:p>
+          <a:p>
+            <a:pPr marL="0" indent="0">
+              <a:buNone/>
+            </a:pPr>
+            <a:r>
+              <a:rPr lang="en-US" dirty="0">
+                <a:latin typeface="Courier New" panose="02070309020205020404" pitchFamily="49" charset="0"/>
+                <a:cs typeface="Courier New" panose="02070309020205020404" pitchFamily="49" charset="0"/>
+              </a:rPr>
+              <a:t>  END-POINTS (SRC=A, DEST=X)</a:t>
+            </a:r>
+          </a:p>
+          <a:p>
+            <a:pPr marL="0" indent="0">
+              <a:buNone/>
+            </a:pPr>
+            <a:r>
+              <a:rPr lang="en-US" dirty="0">
+                <a:latin typeface="Courier New" panose="02070309020205020404" pitchFamily="49" charset="0"/>
+                <a:cs typeface="Courier New" panose="02070309020205020404" pitchFamily="49" charset="0"/>
+              </a:rPr>
+              <a:t>   S2LS (O=UP, WEIGHT=3)</a:t>
+            </a:r>
+          </a:p>
+          <a:p>
+            <a:pPr marL="0" indent="0">
+              <a:buNone/>
+            </a:pPr>
+            <a:r>
+              <a:rPr lang="en-US" dirty="0">
+                <a:latin typeface="Courier New" panose="02070309020205020404" pitchFamily="49" charset="0"/>
+                <a:cs typeface="Courier New" panose="02070309020205020404" pitchFamily="49" charset="0"/>
+              </a:rPr>
+              <a:t>    ERO2={A,C,X}</a:t>
+            </a:r>
+          </a:p>
+          <a:p>
+            <a:pPr marL="0" indent="0">
               <a:buNone/>
             </a:pPr>
             <a:endParaRPr lang="en-US" dirty="0">
-              <a:cs typeface="Arial" panose="020B0604020202020204" pitchFamily="34" charset="0"/>
+              <a:latin typeface="Courier New" panose="02070309020205020404" pitchFamily="49" charset="0"/>
+              <a:cs typeface="Courier New" panose="02070309020205020404" pitchFamily="49" charset="0"/>
             </a:endParaRPr>
           </a:p>
           <a:p>
             <a:pPr marL="0" indent="0">
-              <a:spcBef>
-                <a:spcPts val="0"/>
-              </a:spcBef>
-              <a:buClr>
-                <a:srgbClr val="6DB344"/>
-              </a:buClr>
               <a:buNone/>
             </a:pPr>
             <a:r>
               <a:rPr lang="en-US" dirty="0">
-                <a:hlinkClick r:id="rId2"/>
-              </a:rPr>
-              <a:t>https://tools.ietf.org/html/rfc8623</a:t>
-            </a:r>
-            <a:r>
-              <a:rPr lang="en-US" dirty="0"/>
-              <a:t>  - </a:t>
-            </a:r>
-            <a:r>
-              <a:rPr lang="en-US" dirty="0">
-                <a:cs typeface="Arial" panose="020B0604020202020204" pitchFamily="34" charset="0"/>
-              </a:rPr>
-              <a:t>Stateful Path Computation Element (PCE) Protocol Extensions for Usage with Point-to-Multipoint TE Label Switched Paths (LSPs)</a:t>
-            </a:r>
-          </a:p>
-          <a:p>
-            <a:pPr marL="0" indent="0">
-              <a:spcBef>
-                <a:spcPts val="0"/>
-              </a:spcBef>
-              <a:buClr>
-                <a:srgbClr val="6DB344"/>
-              </a:buClr>
-              <a:buNone/>
-            </a:pPr>
-            <a:endParaRPr lang="en-US" dirty="0">
-              <a:cs typeface="Arial" panose="020B0604020202020204" pitchFamily="34" charset="0"/>
-            </a:endParaRPr>
-          </a:p>
-          <a:p>
-            <a:pPr marL="0" indent="0">
-              <a:spcBef>
-                <a:spcPts val="0"/>
-              </a:spcBef>
-              <a:buClr>
-                <a:srgbClr val="6DB344"/>
-              </a:buClr>
-              <a:buNone/>
-            </a:pPr>
-            <a:r>
-              <a:rPr lang="en-US" dirty="0">
-                <a:cs typeface="Arial" panose="020B0604020202020204" pitchFamily="34" charset="0"/>
-              </a:rPr>
-              <a:t>RFC 8623 already defines a way to carry multiple ERO/RRO objects, by using a special type of END-POINTS object and an S2LS object. We can define a new END-POINTS and S2LS object types for P2P load-balancing and then we can follow the same encoding format as RFC 8623.</a:t>
+                <a:cs typeface="Courier New" panose="02070309020205020404" pitchFamily="49" charset="0"/>
+              </a:rPr>
+              <a:t>Note that we need to encode 2 END-POINTS objects here if we want to encode 2 S2LS objects, in order to conform to the RBNF of RFC 8623. If both EROs had the same weight (ECMP), then we would not need 2 S2LS objects and we would encode ERO2 directly after ERO1.</a:t>
             </a:r>
           </a:p>
         </p:txBody>
@@ -4139,7 +4249,7 @@
           <p:cNvPr id="4" name="Slide Number Placeholder 3">
             <a:extLst>
               <a:ext uri="{FF2B5EF4-FFF2-40B4-BE49-F238E27FC236}">
-                <a16:creationId xmlns:a16="http://schemas.microsoft.com/office/drawing/2014/main" id="{20F6C37E-0FD4-487B-B81D-38E606D7F491}"/>
+                <a16:creationId xmlns:a16="http://schemas.microsoft.com/office/drawing/2014/main" id="{8A0E7969-1103-439A-A34D-E8BB15A8C00E}"/>
               </a:ext>
             </a:extLst>
           </p:cNvPr>
@@ -4166,7 +4276,7 @@
     </p:spTree>
     <p:extLst>
       <p:ext uri="{BB962C8B-B14F-4D97-AF65-F5344CB8AC3E}">
-        <p14:creationId xmlns:p14="http://schemas.microsoft.com/office/powerpoint/2010/main" val="985280877"/>
+        <p14:creationId xmlns:p14="http://schemas.microsoft.com/office/powerpoint/2010/main" val="3754595944"/>
       </p:ext>
     </p:extLst>
   </p:cSld>
@@ -4218,7 +4328,7 @@
             <a:pPr algn="ctr"/>
             <a:r>
               <a:rPr lang="en-US" dirty="0"/>
-              <a:t>Analysis of Solution 2b (cont’d)</a:t>
+              <a:t>Use Case 2</a:t>
             </a:r>
           </a:p>
         </p:txBody>
@@ -4241,7 +4351,7 @@
         </p:spPr>
         <p:txBody>
           <a:bodyPr>
-            <a:normAutofit lnSpcReduction="10000"/>
+            <a:normAutofit/>
           </a:bodyPr>
           <a:lstStyle/>
           <a:p>
@@ -4258,7 +4368,7 @@
               <a:rPr lang="en-US" dirty="0">
                 <a:cs typeface="Arial" panose="020B0604020202020204" pitchFamily="34" charset="0"/>
               </a:rPr>
-              <a:t>S2LS format is almost the same as ERO-ATTRIBUTES, except that it’s missing the Weight field:</a:t>
+              <a:t>Use Case 2: multiple optimization objectives sharing ECMP.</a:t>
             </a:r>
           </a:p>
           <a:p>
@@ -4276,143 +4386,35 @@
             </a:endParaRPr>
           </a:p>
           <a:p>
-            <a:pPr marL="0" indent="0">
-              <a:spcBef>
-                <a:spcPts val="0"/>
-              </a:spcBef>
-              <a:buClr>
-                <a:srgbClr val="6DB344"/>
-              </a:buClr>
-              <a:buNone/>
-            </a:pPr>
-            <a:r>
-              <a:rPr lang="en-US" sz="2000" dirty="0">
-                <a:latin typeface="Courier New" panose="02070309020205020404" pitchFamily="49" charset="0"/>
-                <a:cs typeface="Courier New" panose="02070309020205020404" pitchFamily="49" charset="0"/>
-              </a:rPr>
-              <a:t> 0                   1                   2                   3</a:t>
-            </a:r>
-          </a:p>
-          <a:p>
-            <a:pPr marL="0" indent="0">
-              <a:spcBef>
-                <a:spcPts val="0"/>
-              </a:spcBef>
-              <a:buClr>
-                <a:srgbClr val="6DB344"/>
-              </a:buClr>
-              <a:buNone/>
-            </a:pPr>
-            <a:r>
-              <a:rPr lang="en-US" sz="2000" dirty="0">
-                <a:latin typeface="Courier New" panose="02070309020205020404" pitchFamily="49" charset="0"/>
-                <a:cs typeface="Courier New" panose="02070309020205020404" pitchFamily="49" charset="0"/>
-              </a:rPr>
-              <a:t>   0 1 2 3 4 5 6 7 8 9 0 1 2 3 4 5 6 7 8 9 0 1 2 3 4 5 6 7 8 9 0 1</a:t>
-            </a:r>
-          </a:p>
-          <a:p>
-            <a:pPr marL="0" indent="0">
-              <a:spcBef>
-                <a:spcPts val="0"/>
-              </a:spcBef>
-              <a:buClr>
-                <a:srgbClr val="6DB344"/>
-              </a:buClr>
-              <a:buNone/>
-            </a:pPr>
-            <a:r>
-              <a:rPr lang="en-US" sz="2000" dirty="0">
-                <a:latin typeface="Courier New" panose="02070309020205020404" pitchFamily="49" charset="0"/>
-                <a:cs typeface="Courier New" panose="02070309020205020404" pitchFamily="49" charset="0"/>
-              </a:rPr>
-              <a:t>  +-+-+-+-+-+-+-+-+-+-+-+-+-+-+-+-+-+-+-+-+-+-+-+-+-+-+-+-+-+-+-+-+</a:t>
-            </a:r>
-          </a:p>
-          <a:p>
-            <a:pPr marL="0" indent="0">
-              <a:spcBef>
-                <a:spcPts val="0"/>
-              </a:spcBef>
-              <a:buClr>
-                <a:srgbClr val="6DB344"/>
-              </a:buClr>
-              <a:buNone/>
-            </a:pPr>
-            <a:r>
-              <a:rPr lang="en-US" sz="2000" dirty="0">
-                <a:latin typeface="Courier New" panose="02070309020205020404" pitchFamily="49" charset="0"/>
-                <a:cs typeface="Courier New" panose="02070309020205020404" pitchFamily="49" charset="0"/>
-              </a:rPr>
-              <a:t>  |                             Flags                       | </a:t>
-            </a:r>
-            <a:r>
-              <a:rPr lang="en-US" sz="2000" dirty="0" err="1">
-                <a:latin typeface="Courier New" panose="02070309020205020404" pitchFamily="49" charset="0"/>
-                <a:cs typeface="Courier New" panose="02070309020205020404" pitchFamily="49" charset="0"/>
-              </a:rPr>
-              <a:t>Oper</a:t>
-            </a:r>
-            <a:r>
-              <a:rPr lang="en-US" sz="2000" dirty="0">
-                <a:latin typeface="Courier New" panose="02070309020205020404" pitchFamily="49" charset="0"/>
-                <a:cs typeface="Courier New" panose="02070309020205020404" pitchFamily="49" charset="0"/>
-              </a:rPr>
-              <a:t>|</a:t>
-            </a:r>
-          </a:p>
-          <a:p>
-            <a:pPr marL="0" indent="0">
-              <a:spcBef>
-                <a:spcPts val="0"/>
-              </a:spcBef>
-              <a:buClr>
-                <a:srgbClr val="6DB344"/>
-              </a:buClr>
-              <a:buNone/>
-            </a:pPr>
-            <a:r>
-              <a:rPr lang="en-US" sz="2000" dirty="0">
-                <a:latin typeface="Courier New" panose="02070309020205020404" pitchFamily="49" charset="0"/>
-                <a:cs typeface="Courier New" panose="02070309020205020404" pitchFamily="49" charset="0"/>
-              </a:rPr>
-              <a:t>  +-+-+-+-+-+-+-+-+-+-+-+-+-+-+-+-+-+-+-+-+-+-+-+-+-+-+-+-+-+-+-+-+</a:t>
-            </a:r>
-          </a:p>
-          <a:p>
-            <a:pPr marL="0" indent="0">
-              <a:spcBef>
-                <a:spcPts val="0"/>
-              </a:spcBef>
-              <a:buClr>
-                <a:srgbClr val="6DB344"/>
-              </a:buClr>
-              <a:buNone/>
-            </a:pPr>
-            <a:r>
-              <a:rPr lang="en-US" sz="2000" dirty="0">
-                <a:latin typeface="Courier New" panose="02070309020205020404" pitchFamily="49" charset="0"/>
-                <a:cs typeface="Courier New" panose="02070309020205020404" pitchFamily="49" charset="0"/>
-              </a:rPr>
-              <a:t>  ~                         Optional TLVs                         ~</a:t>
-            </a:r>
-          </a:p>
-          <a:p>
-            <a:pPr marL="0" indent="0">
-              <a:spcBef>
-                <a:spcPts val="0"/>
-              </a:spcBef>
-              <a:buClr>
-                <a:srgbClr val="6DB344"/>
-              </a:buClr>
-              <a:buNone/>
-            </a:pPr>
-            <a:r>
-              <a:rPr lang="en-US" sz="2000" dirty="0">
-                <a:latin typeface="Courier New" panose="02070309020205020404" pitchFamily="49" charset="0"/>
-                <a:cs typeface="Courier New" panose="02070309020205020404" pitchFamily="49" charset="0"/>
-              </a:rPr>
-              <a:t>  +-+-+-+-+-+-+-+-+-+-+-+-+-+-+-+-+-+-+-+-+-+-+-+-+-+-+-+-+-+-+-+-+</a:t>
+            <a:pPr>
+              <a:spcBef>
+                <a:spcPts val="0"/>
+              </a:spcBef>
+              <a:buClr>
+                <a:srgbClr val="6DB344"/>
+              </a:buClr>
+            </a:pPr>
+            <a:r>
+              <a:rPr lang="en-US" dirty="0">
+                <a:cs typeface="Arial" panose="020B0604020202020204" pitchFamily="34" charset="0"/>
+              </a:rPr>
+              <a:t>Allocate a different PCEP Tunnel for every objective.</a:t>
+            </a:r>
+          </a:p>
+          <a:p>
+            <a:pPr>
+              <a:spcBef>
+                <a:spcPts val="0"/>
+              </a:spcBef>
+              <a:buClr>
+                <a:srgbClr val="6DB344"/>
+              </a:buClr>
+            </a:pPr>
+            <a:r>
+              <a:rPr lang="en-US" dirty="0">
+                <a:cs typeface="Arial" panose="020B0604020202020204" pitchFamily="34" charset="0"/>
+              </a:rPr>
+              <a:t>Create a new PCEP association type (Ex., “ECMP Association”) to bind these Tunnels together.</a:t>
             </a:r>
           </a:p>
           <a:p>
@@ -4429,54 +4431,6 @@
               <a:cs typeface="Arial" panose="020B0604020202020204" pitchFamily="34" charset="0"/>
             </a:endParaRPr>
           </a:p>
-          <a:p>
-            <a:pPr marL="0" indent="0">
-              <a:spcBef>
-                <a:spcPts val="0"/>
-              </a:spcBef>
-              <a:buClr>
-                <a:srgbClr val="6DB344"/>
-              </a:buClr>
-              <a:buNone/>
-            </a:pPr>
-            <a:r>
-              <a:rPr lang="en-US" dirty="0">
-                <a:cs typeface="Arial" panose="020B0604020202020204" pitchFamily="34" charset="0"/>
-              </a:rPr>
-              <a:t>The weight can be either carried in an optional TLV, or it can be embedded directly as part of the new S2LS object type.</a:t>
-            </a:r>
-          </a:p>
-          <a:p>
-            <a:pPr marL="0" indent="0">
-              <a:spcBef>
-                <a:spcPts val="0"/>
-              </a:spcBef>
-              <a:buClr>
-                <a:srgbClr val="6DB344"/>
-              </a:buClr>
-              <a:buNone/>
-            </a:pPr>
-            <a:endParaRPr lang="en-US" dirty="0">
-              <a:cs typeface="Arial" panose="020B0604020202020204" pitchFamily="34" charset="0"/>
-            </a:endParaRPr>
-          </a:p>
-          <a:p>
-            <a:pPr marL="0" indent="0">
-              <a:spcBef>
-                <a:spcPts val="0"/>
-              </a:spcBef>
-              <a:buClr>
-                <a:srgbClr val="6DB344"/>
-              </a:buClr>
-              <a:buNone/>
-            </a:pPr>
-            <a:r>
-              <a:rPr lang="en-US" dirty="0">
-                <a:cs typeface="Arial" panose="020B0604020202020204" pitchFamily="34" charset="0"/>
-              </a:rPr>
-              <a:t>New END-POINTS object type would need to be defined, to specify that the S2LS objects that follow it are for ECMP/UCMP.</a:t>
-            </a:r>
-          </a:p>
         </p:txBody>
       </p:sp>
       <p:sp>
@@ -4484,7 +4438,7 @@
           <p:cNvPr id="4" name="Slide Number Placeholder 3">
             <a:extLst>
               <a:ext uri="{FF2B5EF4-FFF2-40B4-BE49-F238E27FC236}">
-                <a16:creationId xmlns:a16="http://schemas.microsoft.com/office/drawing/2014/main" id="{5B72A6D9-8C1F-43D4-9A82-27C93F80AA7D}"/>
+                <a16:creationId xmlns:a16="http://schemas.microsoft.com/office/drawing/2014/main" id="{0649F1E5-C91C-4B32-B196-F6490F3DDD91}"/>
               </a:ext>
             </a:extLst>
           </p:cNvPr>
@@ -4511,7 +4465,7 @@
     </p:spTree>
     <p:extLst>
       <p:ext uri="{BB962C8B-B14F-4D97-AF65-F5344CB8AC3E}">
-        <p14:creationId xmlns:p14="http://schemas.microsoft.com/office/powerpoint/2010/main" val="2245642316"/>
+        <p14:creationId xmlns:p14="http://schemas.microsoft.com/office/powerpoint/2010/main" val="1880298737"/>
       </p:ext>
     </p:extLst>
   </p:cSld>
@@ -4563,7 +4517,7 @@
             <a:pPr algn="ctr"/>
             <a:r>
               <a:rPr lang="en-US" dirty="0"/>
-              <a:t>Analysis of Solution 2b (cont’d)</a:t>
+              <a:t>Combination of both Use Cases</a:t>
             </a:r>
           </a:p>
         </p:txBody>
@@ -4586,142 +4540,210 @@
         </p:spPr>
         <p:txBody>
           <a:bodyPr>
-            <a:normAutofit fontScale="70000" lnSpcReduction="20000"/>
+            <a:normAutofit/>
           </a:bodyPr>
           <a:lstStyle/>
           <a:p>
             <a:pPr marL="0" indent="0">
-              <a:buNone/>
-            </a:pPr>
-            <a:r>
-              <a:rPr lang="en-US" dirty="0"/>
-              <a:t>For example, suppose the PCE was computing a path from Source A to Destination X and the result was 2 EROs: {A,B,X} and {A,C,X}. Suppose that the 2 EROs have UCMP weights 2 and 3 respectively. Then the PCE would encode this as follows:</a:t>
-            </a:r>
-          </a:p>
-          <a:p>
-            <a:pPr marL="0" indent="0">
-              <a:buNone/>
-            </a:pPr>
-            <a:r>
-              <a:rPr lang="en-US" dirty="0"/>
-              <a:t> </a:t>
-            </a:r>
-          </a:p>
-          <a:p>
-            <a:pPr marL="0" indent="0">
+              <a:spcBef>
+                <a:spcPts val="0"/>
+              </a:spcBef>
+              <a:buClr>
+                <a:srgbClr val="6DB344"/>
+              </a:buClr>
               <a:buNone/>
             </a:pPr>
             <a:r>
               <a:rPr lang="en-US" dirty="0">
-                <a:latin typeface="Courier New" panose="02070309020205020404" pitchFamily="49" charset="0"/>
-                <a:cs typeface="Courier New" panose="02070309020205020404" pitchFamily="49" charset="0"/>
-              </a:rPr>
-              <a:t>Common Header</a:t>
-            </a:r>
-          </a:p>
-          <a:p>
-            <a:pPr marL="0" indent="0">
-              <a:buNone/>
+                <a:cs typeface="Arial" panose="020B0604020202020204" pitchFamily="34" charset="0"/>
+              </a:rPr>
+              <a:t>Going back to our previous example:</a:t>
+            </a:r>
+          </a:p>
+          <a:p>
+            <a:pPr>
+              <a:spcBef>
+                <a:spcPts val="0"/>
+              </a:spcBef>
+              <a:buClr>
+                <a:srgbClr val="6DB344"/>
+              </a:buClr>
             </a:pPr>
             <a:r>
               <a:rPr lang="en-US" dirty="0">
-                <a:latin typeface="Courier New" panose="02070309020205020404" pitchFamily="49" charset="0"/>
-                <a:cs typeface="Courier New" panose="02070309020205020404" pitchFamily="49" charset="0"/>
-              </a:rPr>
-              <a:t>  LSP</a:t>
-            </a:r>
-          </a:p>
-          <a:p>
-            <a:pPr marL="0" indent="0">
-              <a:buNone/>
+                <a:cs typeface="Arial" panose="020B0604020202020204" pitchFamily="34" charset="0"/>
+              </a:rPr>
+              <a:t>LSP 1 and LSP 2 have different optimization objectives and ECMP is desired</a:t>
+            </a:r>
+          </a:p>
+          <a:p>
+            <a:pPr>
+              <a:spcBef>
+                <a:spcPts val="0"/>
+              </a:spcBef>
+              <a:buClr>
+                <a:srgbClr val="6DB344"/>
+              </a:buClr>
             </a:pPr>
             <a:r>
               <a:rPr lang="en-US" dirty="0">
-                <a:latin typeface="Courier New" panose="02070309020205020404" pitchFamily="49" charset="0"/>
-                <a:cs typeface="Courier New" panose="02070309020205020404" pitchFamily="49" charset="0"/>
-              </a:rPr>
-              <a:t>  END-POINTS (SRC=A, DEST=X)</a:t>
-            </a:r>
-          </a:p>
-          <a:p>
-            <a:pPr marL="0" indent="0">
-              <a:buNone/>
+                <a:cs typeface="Arial" panose="020B0604020202020204" pitchFamily="34" charset="0"/>
+              </a:rPr>
+              <a:t>LSP 1 gets a single path X</a:t>
+            </a:r>
+          </a:p>
+          <a:p>
+            <a:pPr>
+              <a:spcBef>
+                <a:spcPts val="0"/>
+              </a:spcBef>
+              <a:buClr>
+                <a:srgbClr val="6DB344"/>
+              </a:buClr>
             </a:pPr>
             <a:r>
               <a:rPr lang="en-US" dirty="0">
-                <a:latin typeface="Courier New" panose="02070309020205020404" pitchFamily="49" charset="0"/>
-                <a:cs typeface="Courier New" panose="02070309020205020404" pitchFamily="49" charset="0"/>
-              </a:rPr>
-              <a:t>   S2LS (O=UP, WEIGHT=2)</a:t>
-            </a:r>
-          </a:p>
-          <a:p>
-            <a:pPr marL="0" indent="0">
-              <a:buNone/>
+                <a:cs typeface="Arial" panose="020B0604020202020204" pitchFamily="34" charset="0"/>
+              </a:rPr>
+              <a:t>LSP 2 gets two ECMP paths: Y and Z</a:t>
+            </a:r>
+          </a:p>
+          <a:p>
+            <a:pPr>
+              <a:spcBef>
+                <a:spcPts val="0"/>
+              </a:spcBef>
+              <a:buClr>
+                <a:srgbClr val="6DB344"/>
+              </a:buClr>
             </a:pPr>
             <a:r>
               <a:rPr lang="en-US" dirty="0">
-                <a:latin typeface="Courier New" panose="02070309020205020404" pitchFamily="49" charset="0"/>
-                <a:cs typeface="Courier New" panose="02070309020205020404" pitchFamily="49" charset="0"/>
-              </a:rPr>
-              <a:t>    ERO1={A,B,X}</a:t>
-            </a:r>
-          </a:p>
-          <a:p>
-            <a:pPr marL="0" indent="0">
+                <a:cs typeface="Arial" panose="020B0604020202020204" pitchFamily="34" charset="0"/>
+              </a:rPr>
+              <a:t>As a result 50% of traffic goes on path X, 25% on path Y and 25% on path Z.</a:t>
+            </a:r>
+          </a:p>
+          <a:p>
+            <a:pPr marL="0" indent="0">
+              <a:spcBef>
+                <a:spcPts val="0"/>
+              </a:spcBef>
+              <a:buClr>
+                <a:srgbClr val="6DB344"/>
+              </a:buClr>
+              <a:buNone/>
+            </a:pPr>
+            <a:endParaRPr lang="en-US" dirty="0">
+              <a:cs typeface="Arial" panose="020B0604020202020204" pitchFamily="34" charset="0"/>
+            </a:endParaRPr>
+          </a:p>
+          <a:p>
+            <a:pPr marL="0" indent="0">
+              <a:spcBef>
+                <a:spcPts val="0"/>
+              </a:spcBef>
+              <a:buClr>
+                <a:srgbClr val="6DB344"/>
+              </a:buClr>
+              <a:buNone/>
+            </a:pPr>
+            <a:endParaRPr lang="en-US" dirty="0">
+              <a:cs typeface="Arial" panose="020B0604020202020204" pitchFamily="34" charset="0"/>
+            </a:endParaRPr>
+          </a:p>
+          <a:p>
+            <a:pPr marL="0" indent="0">
+              <a:spcBef>
+                <a:spcPts val="0"/>
+              </a:spcBef>
+              <a:buClr>
+                <a:srgbClr val="6DB344"/>
+              </a:buClr>
               <a:buNone/>
             </a:pPr>
             <a:r>
               <a:rPr lang="en-US" dirty="0">
-                <a:latin typeface="Courier New" panose="02070309020205020404" pitchFamily="49" charset="0"/>
-                <a:cs typeface="Courier New" panose="02070309020205020404" pitchFamily="49" charset="0"/>
-              </a:rPr>
-              <a:t>  END-POINTS (SRC=A, DEST=X)</a:t>
-            </a:r>
-          </a:p>
-          <a:p>
-            <a:pPr marL="0" indent="0">
-              <a:buNone/>
+                <a:cs typeface="Arial" panose="020B0604020202020204" pitchFamily="34" charset="0"/>
+              </a:rPr>
+              <a:t>PCEP representation of the above:</a:t>
+            </a:r>
+          </a:p>
+          <a:p>
+            <a:pPr>
+              <a:spcBef>
+                <a:spcPts val="0"/>
+              </a:spcBef>
+              <a:buClr>
+                <a:srgbClr val="6DB344"/>
+              </a:buClr>
             </a:pPr>
             <a:r>
               <a:rPr lang="en-US" dirty="0">
-                <a:latin typeface="Courier New" panose="02070309020205020404" pitchFamily="49" charset="0"/>
-                <a:cs typeface="Courier New" panose="02070309020205020404" pitchFamily="49" charset="0"/>
-              </a:rPr>
-              <a:t>   S2LS (O=UP, WEIGHT=3)</a:t>
-            </a:r>
-          </a:p>
-          <a:p>
-            <a:pPr marL="0" indent="0">
-              <a:buNone/>
+                <a:cs typeface="Arial" panose="020B0604020202020204" pitchFamily="34" charset="0"/>
+              </a:rPr>
+              <a:t>ECMP ASSOCIATION contains LSP 1 and LSP 2.</a:t>
+            </a:r>
+          </a:p>
+          <a:p>
+            <a:pPr>
+              <a:spcBef>
+                <a:spcPts val="0"/>
+              </a:spcBef>
+              <a:buClr>
+                <a:srgbClr val="6DB344"/>
+              </a:buClr>
             </a:pPr>
             <a:r>
               <a:rPr lang="en-US" dirty="0">
-                <a:latin typeface="Courier New" panose="02070309020205020404" pitchFamily="49" charset="0"/>
-                <a:cs typeface="Courier New" panose="02070309020205020404" pitchFamily="49" charset="0"/>
-              </a:rPr>
-              <a:t>    ERO2={A,C,X}</a:t>
-            </a:r>
-          </a:p>
-          <a:p>
-            <a:pPr marL="0" indent="0">
+                <a:cs typeface="Arial" panose="020B0604020202020204" pitchFamily="34" charset="0"/>
+              </a:rPr>
+              <a:t>LSP 1 contains a single ERO: X.</a:t>
+            </a:r>
+          </a:p>
+          <a:p>
+            <a:pPr>
+              <a:spcBef>
+                <a:spcPts val="0"/>
+              </a:spcBef>
+              <a:buClr>
+                <a:srgbClr val="6DB344"/>
+              </a:buClr>
+            </a:pPr>
+            <a:r>
+              <a:rPr lang="en-US" dirty="0">
+                <a:cs typeface="Arial" panose="020B0604020202020204" pitchFamily="34" charset="0"/>
+              </a:rPr>
+              <a:t>LSP 2 contains two EROs: Y and X.</a:t>
+            </a:r>
+          </a:p>
+          <a:p>
+            <a:pPr marL="0" indent="0">
+              <a:spcBef>
+                <a:spcPts val="0"/>
+              </a:spcBef>
+              <a:buClr>
+                <a:srgbClr val="6DB344"/>
+              </a:buClr>
               <a:buNone/>
             </a:pPr>
             <a:endParaRPr lang="en-US" dirty="0">
-              <a:latin typeface="Courier New" panose="02070309020205020404" pitchFamily="49" charset="0"/>
-              <a:cs typeface="Courier New" panose="02070309020205020404" pitchFamily="49" charset="0"/>
+              <a:cs typeface="Arial" panose="020B0604020202020204" pitchFamily="34" charset="0"/>
             </a:endParaRPr>
           </a:p>
           <a:p>
             <a:pPr marL="0" indent="0">
-              <a:buNone/>
-            </a:pPr>
-            <a:r>
-              <a:rPr lang="en-US" dirty="0">
-                <a:cs typeface="Courier New" panose="02070309020205020404" pitchFamily="49" charset="0"/>
-              </a:rPr>
-              <a:t>Note that we need to encode 2 END-POINTS objects here if we want to encode 2 S2LS objects, in order to conform to the RBNF of RFC 8623. If both EROs had the same weight (ECMP), then we would not need 2 S2LS objects and we would encode ERO2 directly after ERO1.</a:t>
-            </a:r>
+              <a:spcBef>
+                <a:spcPts val="0"/>
+              </a:spcBef>
+              <a:buClr>
+                <a:srgbClr val="6DB344"/>
+              </a:buClr>
+              <a:buNone/>
+            </a:pPr>
+            <a:endParaRPr lang="en-US" dirty="0">
+              <a:cs typeface="Arial" panose="020B0604020202020204" pitchFamily="34" charset="0"/>
+            </a:endParaRPr>
           </a:p>
         </p:txBody>
       </p:sp>
@@ -4730,7 +4752,7 @@
           <p:cNvPr id="4" name="Slide Number Placeholder 3">
             <a:extLst>
               <a:ext uri="{FF2B5EF4-FFF2-40B4-BE49-F238E27FC236}">
-                <a16:creationId xmlns:a16="http://schemas.microsoft.com/office/drawing/2014/main" id="{8A0E7969-1103-439A-A34D-E8BB15A8C00E}"/>
+                <a16:creationId xmlns:a16="http://schemas.microsoft.com/office/drawing/2014/main" id="{0649F1E5-C91C-4B32-B196-F6490F3DDD91}"/>
               </a:ext>
             </a:extLst>
           </p:cNvPr>
@@ -4757,309 +4779,7 @@
     </p:spTree>
     <p:extLst>
       <p:ext uri="{BB962C8B-B14F-4D97-AF65-F5344CB8AC3E}">
-        <p14:creationId xmlns:p14="http://schemas.microsoft.com/office/powerpoint/2010/main" val="3754595944"/>
-      </p:ext>
-    </p:extLst>
-  </p:cSld>
-  <p:clrMapOvr>
-    <a:masterClrMapping/>
-  </p:clrMapOvr>
-</p:sld>
-</file>
-
-<file path=ppt/slides/slide13.xml><?xml version="1.0" encoding="utf-8"?>
-<p:sld xmlns:a="http://schemas.openxmlformats.org/drawingml/2006/main" xmlns:r="http://schemas.openxmlformats.org/officeDocument/2006/relationships" xmlns:p="http://schemas.openxmlformats.org/presentationml/2006/main">
-  <p:cSld>
-    <p:spTree>
-      <p:nvGrpSpPr>
-        <p:cNvPr id="1" name=""/>
-        <p:cNvGrpSpPr/>
-        <p:nvPr/>
-      </p:nvGrpSpPr>
-      <p:grpSpPr>
-        <a:xfrm>
-          <a:off x="0" y="0"/>
-          <a:ext cx="0" cy="0"/>
-          <a:chOff x="0" y="0"/>
-          <a:chExt cx="0" cy="0"/>
-        </a:xfrm>
-      </p:grpSpPr>
-      <p:sp>
-        <p:nvSpPr>
-          <p:cNvPr id="2" name="Title 1"/>
-          <p:cNvSpPr>
-            <a:spLocks noGrp="1"/>
-          </p:cNvSpPr>
-          <p:nvPr>
-            <p:ph type="title"/>
-          </p:nvPr>
-        </p:nvSpPr>
-        <p:spPr>
-          <a:xfrm>
-            <a:off x="1753703" y="149582"/>
-            <a:ext cx="8588861" cy="838200"/>
-          </a:xfrm>
-        </p:spPr>
-        <p:txBody>
-          <a:bodyPr>
-            <a:normAutofit/>
-          </a:bodyPr>
-          <a:lstStyle/>
-          <a:p>
-            <a:pPr algn="ctr"/>
-            <a:r>
-              <a:rPr lang="en-US" dirty="0"/>
-              <a:t>Comparison of solutions</a:t>
-            </a:r>
-          </a:p>
-        </p:txBody>
-      </p:sp>
-      <p:sp>
-        <p:nvSpPr>
-          <p:cNvPr id="3" name="Content Placeholder 2"/>
-          <p:cNvSpPr>
-            <a:spLocks noGrp="1"/>
-          </p:cNvSpPr>
-          <p:nvPr>
-            <p:ph idx="1"/>
-          </p:nvPr>
-        </p:nvSpPr>
-        <p:spPr>
-          <a:xfrm>
-            <a:off x="306270" y="1339746"/>
-            <a:ext cx="11387499" cy="4965699"/>
-          </a:xfrm>
-        </p:spPr>
-        <p:txBody>
-          <a:bodyPr>
-            <a:normAutofit/>
-          </a:bodyPr>
-          <a:lstStyle/>
-          <a:p>
-            <a:pPr marL="0" indent="0">
-              <a:spcBef>
-                <a:spcPts val="0"/>
-              </a:spcBef>
-              <a:buClr>
-                <a:srgbClr val="6DB344"/>
-              </a:buClr>
-              <a:buNone/>
-            </a:pPr>
-            <a:r>
-              <a:rPr lang="en-US" dirty="0">
-                <a:cs typeface="Arial" panose="020B0604020202020204" pitchFamily="34" charset="0"/>
-              </a:rPr>
-              <a:t>Solution 1: allocate a different LSP for every ERO and create a new association type to bind these LSPs together.</a:t>
-            </a:r>
-          </a:p>
-          <a:p>
-            <a:pPr lvl="1">
-              <a:spcBef>
-                <a:spcPts val="0"/>
-              </a:spcBef>
-              <a:buClr>
-                <a:srgbClr val="6DB344"/>
-              </a:buClr>
-            </a:pPr>
-            <a:r>
-              <a:rPr lang="en-US" dirty="0">
-                <a:cs typeface="Arial" panose="020B0604020202020204" pitchFamily="34" charset="0"/>
-              </a:rPr>
-              <a:t>Works for paths with different objectives</a:t>
-            </a:r>
-          </a:p>
-          <a:p>
-            <a:pPr lvl="1">
-              <a:spcBef>
-                <a:spcPts val="0"/>
-              </a:spcBef>
-              <a:buClr>
-                <a:srgbClr val="6DB344"/>
-              </a:buClr>
-            </a:pPr>
-            <a:r>
-              <a:rPr lang="en-US" dirty="0">
-                <a:cs typeface="Arial" panose="020B0604020202020204" pitchFamily="34" charset="0"/>
-              </a:rPr>
-              <a:t>Does not work for paths with the same objective</a:t>
-            </a:r>
-          </a:p>
-          <a:p>
-            <a:pPr marL="0" indent="0">
-              <a:spcBef>
-                <a:spcPts val="0"/>
-              </a:spcBef>
-              <a:buClr>
-                <a:srgbClr val="6DB344"/>
-              </a:buClr>
-              <a:buNone/>
-            </a:pPr>
-            <a:endParaRPr lang="en-US" dirty="0">
-              <a:cs typeface="Arial" panose="020B0604020202020204" pitchFamily="34" charset="0"/>
-            </a:endParaRPr>
-          </a:p>
-          <a:p>
-            <a:pPr marL="0" indent="0">
-              <a:spcBef>
-                <a:spcPts val="0"/>
-              </a:spcBef>
-              <a:buClr>
-                <a:srgbClr val="6DB344"/>
-              </a:buClr>
-              <a:buNone/>
-            </a:pPr>
-            <a:r>
-              <a:rPr lang="en-US" dirty="0">
-                <a:cs typeface="Arial" panose="020B0604020202020204" pitchFamily="34" charset="0"/>
-              </a:rPr>
-              <a:t>Solution 2: one LSP contains many EROs.</a:t>
-            </a:r>
-          </a:p>
-          <a:p>
-            <a:pPr marL="0" indent="0">
-              <a:spcBef>
-                <a:spcPts val="0"/>
-              </a:spcBef>
-              <a:buClr>
-                <a:srgbClr val="6DB344"/>
-              </a:buClr>
-              <a:buNone/>
-            </a:pPr>
-            <a:r>
-              <a:rPr lang="en-US" dirty="0">
-                <a:cs typeface="Arial" panose="020B0604020202020204" pitchFamily="34" charset="0"/>
-              </a:rPr>
-              <a:t>    Option 2a: define a new object for ERO attributes</a:t>
-            </a:r>
-          </a:p>
-          <a:p>
-            <a:pPr lvl="2">
-              <a:spcBef>
-                <a:spcPts val="0"/>
-              </a:spcBef>
-              <a:buClr>
-                <a:srgbClr val="6DB344"/>
-              </a:buClr>
-            </a:pPr>
-            <a:r>
-              <a:rPr lang="en-US" dirty="0">
-                <a:cs typeface="Arial" panose="020B0604020202020204" pitchFamily="34" charset="0"/>
-              </a:rPr>
-              <a:t>Separate RBNFs for P2P and P2MP</a:t>
-            </a:r>
-          </a:p>
-          <a:p>
-            <a:pPr marL="0" indent="0">
-              <a:spcBef>
-                <a:spcPts val="0"/>
-              </a:spcBef>
-              <a:buClr>
-                <a:srgbClr val="6DB344"/>
-              </a:buClr>
-              <a:buNone/>
-            </a:pPr>
-            <a:endParaRPr lang="en-US" dirty="0">
-              <a:cs typeface="Arial" panose="020B0604020202020204" pitchFamily="34" charset="0"/>
-            </a:endParaRPr>
-          </a:p>
-          <a:p>
-            <a:pPr marL="0" indent="0">
-              <a:spcBef>
-                <a:spcPts val="0"/>
-              </a:spcBef>
-              <a:buClr>
-                <a:srgbClr val="6DB344"/>
-              </a:buClr>
-              <a:buNone/>
-            </a:pPr>
-            <a:r>
-              <a:rPr lang="en-US" dirty="0">
-                <a:cs typeface="Arial" panose="020B0604020202020204" pitchFamily="34" charset="0"/>
-              </a:rPr>
-              <a:t>    Option 2b: follow RFC 8623 for encoding multiple EROs.</a:t>
-            </a:r>
-          </a:p>
-          <a:p>
-            <a:pPr lvl="2">
-              <a:spcBef>
-                <a:spcPts val="0"/>
-              </a:spcBef>
-              <a:buClr>
-                <a:srgbClr val="6DB344"/>
-              </a:buClr>
-            </a:pPr>
-            <a:r>
-              <a:rPr lang="en-US" dirty="0">
-                <a:cs typeface="Arial" panose="020B0604020202020204" pitchFamily="34" charset="0"/>
-              </a:rPr>
-              <a:t>Common RBNF for P2P and P2MP</a:t>
-            </a:r>
-          </a:p>
-          <a:p>
-            <a:pPr lvl="2">
-              <a:spcBef>
-                <a:spcPts val="0"/>
-              </a:spcBef>
-              <a:buClr>
-                <a:srgbClr val="6DB344"/>
-              </a:buClr>
-            </a:pPr>
-            <a:r>
-              <a:rPr lang="en-US" dirty="0">
-                <a:cs typeface="Arial" panose="020B0604020202020204" pitchFamily="34" charset="0"/>
-              </a:rPr>
-              <a:t>Need to insert “extra” objects, like END-POINTS</a:t>
-            </a:r>
-          </a:p>
-          <a:p>
-            <a:pPr marL="0" indent="0">
-              <a:spcBef>
-                <a:spcPts val="0"/>
-              </a:spcBef>
-              <a:buClr>
-                <a:srgbClr val="6DB344"/>
-              </a:buClr>
-              <a:buNone/>
-            </a:pPr>
-            <a:endParaRPr lang="en-US" dirty="0">
-              <a:cs typeface="Arial" panose="020B0604020202020204" pitchFamily="34" charset="0"/>
-            </a:endParaRPr>
-          </a:p>
-        </p:txBody>
-      </p:sp>
-      <p:sp>
-        <p:nvSpPr>
-          <p:cNvPr id="4" name="Slide Number Placeholder 3">
-            <a:extLst>
-              <a:ext uri="{FF2B5EF4-FFF2-40B4-BE49-F238E27FC236}">
-                <a16:creationId xmlns:a16="http://schemas.microsoft.com/office/drawing/2014/main" id="{3D1C8758-3511-4ADC-85E2-7E4F5A1BA510}"/>
-              </a:ext>
-            </a:extLst>
-          </p:cNvPr>
-          <p:cNvSpPr>
-            <a:spLocks noGrp="1"/>
-          </p:cNvSpPr>
-          <p:nvPr>
-            <p:ph type="sldNum" sz="quarter" idx="12"/>
-          </p:nvPr>
-        </p:nvSpPr>
-        <p:spPr/>
-        <p:txBody>
-          <a:bodyPr/>
-          <a:lstStyle/>
-          <a:p>
-            <a:fld id="{85215A40-206C-4480-9CF7-59DB977A5103}" type="slidenum">
-              <a:rPr lang="en-US" smtClean="0"/>
-              <a:t>13</a:t>
-            </a:fld>
-            <a:endParaRPr lang="en-US"/>
-          </a:p>
-        </p:txBody>
-      </p:sp>
-    </p:spTree>
-    <p:extLst>
-      <p:ext uri="{BB962C8B-B14F-4D97-AF65-F5344CB8AC3E}">
-        <p14:creationId xmlns:p14="http://schemas.microsoft.com/office/powerpoint/2010/main" val="1826562911"/>
+        <p14:creationId xmlns:p14="http://schemas.microsoft.com/office/powerpoint/2010/main" val="3648877820"/>
       </p:ext>
     </p:extLst>
   </p:cSld>
@@ -5636,19 +5356,56 @@
           </a:bodyPr>
           <a:lstStyle/>
           <a:p>
-            <a:pPr>
-              <a:spcBef>
-                <a:spcPts val="0"/>
-              </a:spcBef>
-              <a:buClr>
-                <a:srgbClr val="6DB344"/>
-              </a:buClr>
+            <a:pPr marL="0" indent="0">
+              <a:spcBef>
+                <a:spcPts val="0"/>
+              </a:spcBef>
+              <a:buClr>
+                <a:srgbClr val="6DB344"/>
+              </a:buClr>
+              <a:buNone/>
             </a:pPr>
             <a:r>
               <a:rPr lang="en-US" dirty="0">
                 <a:cs typeface="Arial" panose="020B0604020202020204" pitchFamily="34" charset="0"/>
               </a:rPr>
-              <a:t>In SR-TE, the computed set of Segment Lists is installed in a single update, not in incremental updates.</a:t>
+              <a:t>Two use-cases:</a:t>
+            </a:r>
+          </a:p>
+          <a:p>
+            <a:pPr marL="514350" indent="-514350">
+              <a:spcBef>
+                <a:spcPts val="0"/>
+              </a:spcBef>
+              <a:buClr>
+                <a:srgbClr val="6DB344"/>
+              </a:buClr>
+              <a:buFont typeface="+mj-lt"/>
+              <a:buAutoNum type="arabicPeriod"/>
+            </a:pPr>
+            <a:r>
+              <a:rPr lang="en-US" dirty="0">
+                <a:cs typeface="Arial" panose="020B0604020202020204" pitchFamily="34" charset="0"/>
+              </a:rPr>
+              <a:t>One optimization objective yields multiple ECMP paths.</a:t>
+            </a:r>
+          </a:p>
+          <a:p>
+            <a:pPr marL="514350" indent="-514350">
+              <a:spcBef>
+                <a:spcPts val="0"/>
+              </a:spcBef>
+              <a:buClr>
+                <a:srgbClr val="6DB344"/>
+              </a:buClr>
+              <a:buFont typeface="+mj-lt"/>
+              <a:buAutoNum type="arabicPeriod"/>
+            </a:pPr>
+            <a:r>
+              <a:rPr lang="en-US" dirty="0">
+                <a:cs typeface="Arial" panose="020B0604020202020204" pitchFamily="34" charset="0"/>
+              </a:rPr>
+              <a:t>Multiple optimization objectives sharing ECMP.</a:t>
             </a:r>
           </a:p>
           <a:p>
@@ -5666,61 +5423,31 @@
             </a:endParaRPr>
           </a:p>
           <a:p>
-            <a:pPr>
-              <a:spcBef>
-                <a:spcPts val="0"/>
-              </a:spcBef>
-              <a:buClr>
-                <a:srgbClr val="6DB344"/>
-              </a:buClr>
+            <a:pPr marL="0" indent="0">
+              <a:spcBef>
+                <a:spcPts val="0"/>
+              </a:spcBef>
+              <a:buClr>
+                <a:srgbClr val="6DB344"/>
+              </a:buClr>
+              <a:buNone/>
             </a:pPr>
             <a:r>
               <a:rPr lang="en-US" dirty="0">
                 <a:cs typeface="Arial" panose="020B0604020202020204" pitchFamily="34" charset="0"/>
               </a:rPr>
-              <a:t>In SR-TE, there is no use case for ECMP among paths with different optimization objectives.</a:t>
-            </a:r>
-          </a:p>
-          <a:p>
-            <a:pPr lvl="1">
-              <a:spcBef>
-                <a:spcPts val="0"/>
-              </a:spcBef>
-              <a:buClr>
-                <a:srgbClr val="6DB344"/>
-              </a:buClr>
-            </a:pPr>
-            <a:r>
-              <a:rPr lang="en-US" dirty="0">
-                <a:cs typeface="Arial" panose="020B0604020202020204" pitchFamily="34" charset="0"/>
-              </a:rPr>
-              <a:t>“A dynamic candidate path expresses an optimization objective and a set of constraints.”</a:t>
-            </a:r>
-          </a:p>
-          <a:p>
-            <a:pPr lvl="1">
-              <a:spcBef>
-                <a:spcPts val="0"/>
-              </a:spcBef>
-              <a:buClr>
-                <a:srgbClr val="6DB344"/>
-              </a:buClr>
-            </a:pPr>
-            <a:r>
-              <a:rPr lang="en-US" dirty="0">
-                <a:cs typeface="Arial" panose="020B0604020202020204" pitchFamily="34" charset="0"/>
-              </a:rPr>
-              <a:t>Only one candidate path can be active at any given time.</a:t>
-            </a:r>
-          </a:p>
-          <a:p>
-            <a:pPr>
-              <a:spcBef>
-                <a:spcPts val="0"/>
-              </a:spcBef>
-              <a:buClr>
-                <a:srgbClr val="6DB344"/>
-              </a:buClr>
+              <a:t>These two use-cases are orthogonal, they exist independently of each other. </a:t>
+            </a:r>
+          </a:p>
+          <a:p>
+            <a:pPr marL="0" indent="0">
+              <a:spcBef>
+                <a:spcPts val="0"/>
+              </a:spcBef>
+              <a:buClr>
+                <a:srgbClr val="6DB344"/>
+              </a:buClr>
+              <a:buNone/>
             </a:pPr>
             <a:endParaRPr lang="en-US" dirty="0">
               <a:cs typeface="Arial" panose="020B0604020202020204" pitchFamily="34" charset="0"/>
@@ -5736,9 +5463,76 @@
               </a:buClr>
               <a:buNone/>
             </a:pPr>
-            <a:endParaRPr lang="en-US" dirty="0">
-              <a:cs typeface="Arial" panose="020B0604020202020204" pitchFamily="34" charset="0"/>
-            </a:endParaRPr>
+            <a:r>
+              <a:rPr lang="en-US" dirty="0">
+                <a:cs typeface="Arial" panose="020B0604020202020204" pitchFamily="34" charset="0"/>
+              </a:rPr>
+              <a:t>For example:</a:t>
+            </a:r>
+          </a:p>
+          <a:p>
+            <a:pPr>
+              <a:spcBef>
+                <a:spcPts val="0"/>
+              </a:spcBef>
+              <a:buClr>
+                <a:srgbClr val="6DB344"/>
+              </a:buClr>
+            </a:pPr>
+            <a:r>
+              <a:rPr lang="en-US" dirty="0">
+                <a:cs typeface="Arial" panose="020B0604020202020204" pitchFamily="34" charset="0"/>
+              </a:rPr>
+              <a:t>LSP 1 and LSP 2 have different optimization objectives and ECMP is desired</a:t>
+            </a:r>
+          </a:p>
+          <a:p>
+            <a:pPr>
+              <a:spcBef>
+                <a:spcPts val="0"/>
+              </a:spcBef>
+              <a:buClr>
+                <a:srgbClr val="6DB344"/>
+              </a:buClr>
+            </a:pPr>
+            <a:r>
+              <a:rPr lang="en-US" dirty="0">
+                <a:cs typeface="Arial" panose="020B0604020202020204" pitchFamily="34" charset="0"/>
+              </a:rPr>
+              <a:t>LSP 1 gets a single path X</a:t>
+            </a:r>
+          </a:p>
+          <a:p>
+            <a:pPr>
+              <a:spcBef>
+                <a:spcPts val="0"/>
+              </a:spcBef>
+              <a:buClr>
+                <a:srgbClr val="6DB344"/>
+              </a:buClr>
+            </a:pPr>
+            <a:r>
+              <a:rPr lang="en-US" dirty="0">
+                <a:cs typeface="Arial" panose="020B0604020202020204" pitchFamily="34" charset="0"/>
+              </a:rPr>
+              <a:t>LSP 2 gets two ECMP paths: Y and Z</a:t>
+            </a:r>
+          </a:p>
+          <a:p>
+            <a:pPr>
+              <a:spcBef>
+                <a:spcPts val="0"/>
+              </a:spcBef>
+              <a:buClr>
+                <a:srgbClr val="6DB344"/>
+              </a:buClr>
+            </a:pPr>
+            <a:r>
+              <a:rPr lang="en-US" dirty="0">
+                <a:cs typeface="Arial" panose="020B0604020202020204" pitchFamily="34" charset="0"/>
+              </a:rPr>
+              <a:t>As a result 50% of traffic goes on path X, 25% on path Y and 25% on path Z.</a:t>
+            </a:r>
           </a:p>
         </p:txBody>
       </p:sp>
@@ -5826,7 +5620,7 @@
             <a:pPr algn="ctr"/>
             <a:r>
               <a:rPr lang="en-US" dirty="0"/>
-              <a:t>Proposed solutions</a:t>
+              <a:t>Use Case 1</a:t>
             </a:r>
           </a:p>
         </p:txBody>
@@ -5866,7 +5660,7 @@
               <a:rPr lang="en-US" dirty="0">
                 <a:cs typeface="Arial" panose="020B0604020202020204" pitchFamily="34" charset="0"/>
               </a:rPr>
-              <a:t>Solution 1: allocate a different LSP for every ERO and create a new association type to bind these LSPs together.</a:t>
+              <a:t>Use Case 1: single optimization objective yields multiple paths.</a:t>
             </a:r>
           </a:p>
           <a:p>
@@ -5884,54 +5678,89 @@
             </a:endParaRPr>
           </a:p>
           <a:p>
-            <a:pPr marL="0" indent="0">
-              <a:spcBef>
-                <a:spcPts val="0"/>
-              </a:spcBef>
-              <a:buClr>
-                <a:srgbClr val="6DB344"/>
-              </a:buClr>
-              <a:buNone/>
+            <a:pPr>
+              <a:spcBef>
+                <a:spcPts val="0"/>
+              </a:spcBef>
+              <a:buClr>
+                <a:srgbClr val="6DB344"/>
+              </a:buClr>
             </a:pPr>
             <a:r>
               <a:rPr lang="en-US" dirty="0">
                 <a:cs typeface="Arial" panose="020B0604020202020204" pitchFamily="34" charset="0"/>
               </a:rPr>
-              <a:t>Solution 2: one LSP contains many EROs.</a:t>
-            </a:r>
-          </a:p>
-          <a:p>
-            <a:pPr marL="0" indent="0">
-              <a:spcBef>
-                <a:spcPts val="0"/>
-              </a:spcBef>
-              <a:buClr>
-                <a:srgbClr val="6DB344"/>
-              </a:buClr>
-              <a:buNone/>
+              <a:t>Extend PCEP to specify the maximum number of ECMP paths that the PCC can handle</a:t>
+            </a:r>
+          </a:p>
+          <a:p>
+            <a:pPr>
+              <a:spcBef>
+                <a:spcPts val="0"/>
+              </a:spcBef>
+              <a:buClr>
+                <a:srgbClr val="6DB344"/>
+              </a:buClr>
             </a:pPr>
             <a:r>
               <a:rPr lang="en-US" dirty="0">
                 <a:cs typeface="Arial" panose="020B0604020202020204" pitchFamily="34" charset="0"/>
               </a:rPr>
-              <a:t>    Option 2a: define a new object to carry ERO attributes.</a:t>
-            </a:r>
-          </a:p>
-          <a:p>
-            <a:pPr marL="0" indent="0">
-              <a:spcBef>
-                <a:spcPts val="0"/>
-              </a:spcBef>
-              <a:buClr>
-                <a:srgbClr val="6DB344"/>
-              </a:buClr>
-              <a:buNone/>
+              <a:t>Extend PCEP to allow for multiple ERO objects within a single LSP, some options are possible:</a:t>
+            </a:r>
+          </a:p>
+          <a:p>
+            <a:pPr marL="914400" lvl="1" indent="-457200">
+              <a:spcBef>
+                <a:spcPts val="0"/>
+              </a:spcBef>
+              <a:buClr>
+                <a:srgbClr val="6DB344"/>
+              </a:buClr>
+              <a:buFont typeface="+mj-lt"/>
+              <a:buAutoNum type="alphaUcPeriod"/>
             </a:pPr>
             <a:r>
               <a:rPr lang="en-US" dirty="0">
                 <a:cs typeface="Arial" panose="020B0604020202020204" pitchFamily="34" charset="0"/>
               </a:rPr>
-              <a:t>    Option 2b: follow RFC 8623 for encoding multiple EROs.</a:t>
+              <a:t>define a new object to “separate” the EROs and carry per-ERO attributes</a:t>
+            </a:r>
+          </a:p>
+          <a:p>
+            <a:pPr marL="914400" lvl="1" indent="-457200">
+              <a:spcBef>
+                <a:spcPts val="0"/>
+              </a:spcBef>
+              <a:buClr>
+                <a:srgbClr val="6DB344"/>
+              </a:buClr>
+              <a:buFont typeface="+mj-lt"/>
+              <a:buAutoNum type="alphaUcPeriod"/>
+            </a:pPr>
+            <a:r>
+              <a:rPr lang="en-US" dirty="0">
+                <a:cs typeface="Arial" panose="020B0604020202020204" pitchFamily="34" charset="0"/>
+              </a:rPr>
+              <a:t>follow RFC 8623 for encoding multiple EROs</a:t>
+            </a:r>
+          </a:p>
+          <a:p>
+            <a:pPr marL="914400" lvl="1" indent="-457200">
+              <a:spcBef>
+                <a:spcPts val="0"/>
+              </a:spcBef>
+              <a:buClr>
+                <a:srgbClr val="6DB344"/>
+              </a:buClr>
+              <a:buFont typeface="+mj-lt"/>
+              <a:buAutoNum type="alphaUcPeriod"/>
+            </a:pPr>
+            <a:r>
+              <a:rPr lang="en-US" dirty="0">
+                <a:cs typeface="Arial" panose="020B0604020202020204" pitchFamily="34" charset="0"/>
+              </a:rPr>
+              <a:t>other proposals (to be discussed on mailing list)</a:t>
             </a:r>
           </a:p>
           <a:p>
@@ -6048,7 +5877,7 @@
             <a:pPr algn="ctr"/>
             <a:r>
               <a:rPr lang="en-US" dirty="0"/>
-              <a:t>Analysis of Solution 1</a:t>
+              <a:t>Analysis of Option A</a:t>
             </a:r>
           </a:p>
         </p:txBody>
@@ -6088,38 +5917,7 @@
               <a:rPr lang="en-US" dirty="0">
                 <a:cs typeface="Arial" panose="020B0604020202020204" pitchFamily="34" charset="0"/>
               </a:rPr>
-              <a:t>Solution 1: allocate a different LSP for every ERO and create a new association type to bind these LSPs together.</a:t>
-            </a:r>
-          </a:p>
-          <a:p>
-            <a:pPr marL="0" indent="0">
-              <a:spcBef>
-                <a:spcPts val="0"/>
-              </a:spcBef>
-              <a:buClr>
-                <a:srgbClr val="6DB344"/>
-              </a:buClr>
-              <a:buNone/>
-            </a:pPr>
-            <a:endParaRPr lang="en-US" sz="2600" dirty="0">
-              <a:latin typeface="Arial" panose="020B0604020202020204" pitchFamily="34" charset="0"/>
-              <a:cs typeface="Arial" panose="020B0604020202020204" pitchFamily="34" charset="0"/>
-            </a:endParaRPr>
-          </a:p>
-          <a:p>
-            <a:pPr>
-              <a:spcBef>
-                <a:spcPts val="0"/>
-              </a:spcBef>
-              <a:buClr>
-                <a:srgbClr val="6DB344"/>
-              </a:buClr>
-            </a:pPr>
-            <a:r>
-              <a:rPr lang="en-US" dirty="0">
-                <a:cs typeface="Arial" panose="020B0604020202020204" pitchFamily="34" charset="0"/>
-              </a:rPr>
-              <a:t>Does not work for PCC-initiated, because the PCC would need to know how many EROs the PCE will compute and delegate that many LSPs.</a:t>
+              <a:t>We can replace a single ERO object by multiple ERO objects, separated by a new ERO-ATTRIBUTES object.</a:t>
             </a:r>
           </a:p>
           <a:p>
@@ -6137,19 +5935,37 @@
             </a:endParaRPr>
           </a:p>
           <a:p>
-            <a:pPr>
-              <a:spcBef>
-                <a:spcPts val="0"/>
-              </a:spcBef>
-              <a:buClr>
-                <a:srgbClr val="6DB344"/>
-              </a:buClr>
+            <a:pPr marL="0" indent="0">
+              <a:spcBef>
+                <a:spcPts val="0"/>
+              </a:spcBef>
+              <a:buClr>
+                <a:srgbClr val="6DB344"/>
+              </a:buClr>
+              <a:buNone/>
             </a:pPr>
             <a:r>
               <a:rPr lang="en-US" dirty="0">
                 <a:cs typeface="Arial" panose="020B0604020202020204" pitchFamily="34" charset="0"/>
               </a:rPr>
-              <a:t>Does not allow all the EROs to be reported/updated/instantiated together, since each LSP is reported/updated/instantiated separately from the others.</a:t>
+              <a:t>Current BNF:</a:t>
+            </a:r>
+          </a:p>
+          <a:p>
+            <a:pPr marL="0" indent="0">
+              <a:spcBef>
+                <a:spcPts val="0"/>
+              </a:spcBef>
+              <a:buClr>
+                <a:srgbClr val="6DB344"/>
+              </a:buClr>
+              <a:buNone/>
+            </a:pPr>
+            <a:r>
+              <a:rPr lang="en-US" dirty="0">
+                <a:cs typeface="Arial" panose="020B0604020202020204" pitchFamily="34" charset="0"/>
+              </a:rPr>
+              <a:t>&lt;intended-path&gt; = &lt;ERO&gt;</a:t>
             </a:r>
           </a:p>
           <a:p>
@@ -6167,34 +5983,85 @@
             </a:endParaRPr>
           </a:p>
           <a:p>
-            <a:pPr>
-              <a:spcBef>
-                <a:spcPts val="0"/>
-              </a:spcBef>
-              <a:buClr>
-                <a:srgbClr val="6DB344"/>
-              </a:buClr>
+            <a:pPr marL="0" indent="0">
+              <a:spcBef>
+                <a:spcPts val="0"/>
+              </a:spcBef>
+              <a:buClr>
+                <a:srgbClr val="6DB344"/>
+              </a:buClr>
+              <a:buNone/>
             </a:pPr>
             <a:r>
               <a:rPr lang="en-US" dirty="0">
                 <a:cs typeface="Arial" panose="020B0604020202020204" pitchFamily="34" charset="0"/>
               </a:rPr>
-              <a:t>Better used for signaling ECMP among paths with different objectives, because each LSP encodes a separate objective.</a:t>
-            </a:r>
-          </a:p>
-          <a:p>
-            <a:pPr marL="0" indent="0">
-              <a:spcBef>
-                <a:spcPts val="0"/>
-              </a:spcBef>
-              <a:buClr>
-                <a:srgbClr val="6DB344"/>
-              </a:buClr>
-              <a:buNone/>
-            </a:pPr>
-            <a:endParaRPr lang="en-US" dirty="0">
-              <a:cs typeface="Arial" panose="020B0604020202020204" pitchFamily="34" charset="0"/>
-            </a:endParaRPr>
+              <a:t>Proposed BNF:</a:t>
+            </a:r>
+            <a:br>
+              <a:rPr lang="en-US" dirty="0">
+                <a:cs typeface="Arial" panose="020B0604020202020204" pitchFamily="34" charset="0"/>
+              </a:rPr>
+            </a:br>
+            <a:r>
+              <a:rPr lang="en-US" dirty="0">
+                <a:cs typeface="Arial" panose="020B0604020202020204" pitchFamily="34" charset="0"/>
+              </a:rPr>
+              <a:t>&lt;intended-path&gt; = &lt;</a:t>
+            </a:r>
+            <a:r>
+              <a:rPr lang="en-US" dirty="0" err="1">
+                <a:cs typeface="Arial" panose="020B0604020202020204" pitchFamily="34" charset="0"/>
+              </a:rPr>
+              <a:t>ero</a:t>
+            </a:r>
+            <a:r>
+              <a:rPr lang="en-US" dirty="0">
+                <a:cs typeface="Arial" panose="020B0604020202020204" pitchFamily="34" charset="0"/>
+              </a:rPr>
+              <a:t>-list&gt;</a:t>
+            </a:r>
+          </a:p>
+          <a:p>
+            <a:pPr marL="0" indent="0">
+              <a:spcBef>
+                <a:spcPts val="0"/>
+              </a:spcBef>
+              <a:buClr>
+                <a:srgbClr val="6DB344"/>
+              </a:buClr>
+              <a:buNone/>
+            </a:pPr>
+            <a:r>
+              <a:rPr lang="en-US" dirty="0">
+                <a:cs typeface="Arial" panose="020B0604020202020204" pitchFamily="34" charset="0"/>
+              </a:rPr>
+              <a:t>&lt;</a:t>
+            </a:r>
+            <a:r>
+              <a:rPr lang="en-US" dirty="0" err="1">
+                <a:cs typeface="Arial" panose="020B0604020202020204" pitchFamily="34" charset="0"/>
+              </a:rPr>
+              <a:t>ero</a:t>
+            </a:r>
+            <a:r>
+              <a:rPr lang="en-US" dirty="0">
+                <a:cs typeface="Arial" panose="020B0604020202020204" pitchFamily="34" charset="0"/>
+              </a:rPr>
+              <a:t>-list&gt; = [&lt;ERO-ATTRIBUTES&gt;]&lt;ERO&gt;[&lt;</a:t>
+            </a:r>
+            <a:r>
+              <a:rPr lang="en-US" dirty="0" err="1">
+                <a:cs typeface="Arial" panose="020B0604020202020204" pitchFamily="34" charset="0"/>
+              </a:rPr>
+              <a:t>ero</a:t>
+            </a:r>
+            <a:r>
+              <a:rPr lang="en-US" dirty="0">
+                <a:cs typeface="Arial" panose="020B0604020202020204" pitchFamily="34" charset="0"/>
+              </a:rPr>
+              <a:t>-list&gt;]</a:t>
+            </a:r>
           </a:p>
         </p:txBody>
       </p:sp>
@@ -6203,7 +6070,7 @@
           <p:cNvPr id="4" name="Slide Number Placeholder 3">
             <a:extLst>
               <a:ext uri="{FF2B5EF4-FFF2-40B4-BE49-F238E27FC236}">
-                <a16:creationId xmlns:a16="http://schemas.microsoft.com/office/drawing/2014/main" id="{0649F1E5-C91C-4B32-B196-F6490F3DDD91}"/>
+                <a16:creationId xmlns:a16="http://schemas.microsoft.com/office/drawing/2014/main" id="{27719979-DE6B-4097-ADE6-E6C8F877F27E}"/>
               </a:ext>
             </a:extLst>
           </p:cNvPr>
@@ -6230,7 +6097,7 @@
     </p:spTree>
     <p:extLst>
       <p:ext uri="{BB962C8B-B14F-4D97-AF65-F5344CB8AC3E}">
-        <p14:creationId xmlns:p14="http://schemas.microsoft.com/office/powerpoint/2010/main" val="4014723075"/>
+        <p14:creationId xmlns:p14="http://schemas.microsoft.com/office/powerpoint/2010/main" val="615299873"/>
       </p:ext>
     </p:extLst>
   </p:cSld>
@@ -6282,7 +6149,7 @@
             <a:pPr algn="ctr"/>
             <a:r>
               <a:rPr lang="en-US" dirty="0"/>
-              <a:t>Analysis of Solution 1 (cont’d)</a:t>
+              <a:t>Analysis of Option A (cont’d)</a:t>
             </a:r>
           </a:p>
         </p:txBody>
@@ -6309,19 +6176,20 @@
           </a:bodyPr>
           <a:lstStyle/>
           <a:p>
-            <a:pPr>
-              <a:spcBef>
-                <a:spcPts val="0"/>
-              </a:spcBef>
-              <a:buClr>
-                <a:srgbClr val="6DB344"/>
-              </a:buClr>
+            <a:pPr marL="0" indent="0">
+              <a:spcBef>
+                <a:spcPts val="0"/>
+              </a:spcBef>
+              <a:buClr>
+                <a:srgbClr val="6DB344"/>
+              </a:buClr>
+              <a:buNone/>
             </a:pPr>
             <a:r>
               <a:rPr lang="en-US" dirty="0">
                 <a:cs typeface="Arial" panose="020B0604020202020204" pitchFamily="34" charset="0"/>
               </a:rPr>
-              <a:t>Doing ECMP among paths with different objectives is orthogonal to doing ECMP among paths with a single objective. Both situations can exist at the same time. </a:t>
+              <a:t>Define ERO-ATTRIBUTES object to carry some per-ERO attributes:</a:t>
             </a:r>
           </a:p>
           <a:p>
@@ -6339,48 +6207,210 @@
             </a:endParaRPr>
           </a:p>
           <a:p>
-            <a:pPr>
-              <a:spcBef>
-                <a:spcPts val="0"/>
-              </a:spcBef>
-              <a:buClr>
-                <a:srgbClr val="6DB344"/>
-              </a:buClr>
-            </a:pPr>
-            <a:r>
-              <a:rPr lang="en-US" dirty="0">
-                <a:cs typeface="Arial" panose="020B0604020202020204" pitchFamily="34" charset="0"/>
-              </a:rPr>
-              <a:t>For example LSP 1 and LSP 2, having different objectives, can have ECMP among each other using solution 1. While, LSP 1 itself has multiple ECMP paths within it.</a:t>
-            </a:r>
-          </a:p>
-          <a:p>
-            <a:pPr>
-              <a:spcBef>
-                <a:spcPts val="0"/>
-              </a:spcBef>
-              <a:buClr>
-                <a:srgbClr val="6DB344"/>
-              </a:buClr>
+            <a:pPr marL="0" indent="0">
+              <a:spcBef>
+                <a:spcPts val="0"/>
+              </a:spcBef>
+              <a:buClr>
+                <a:srgbClr val="6DB344"/>
+              </a:buClr>
+              <a:buNone/>
+            </a:pPr>
+            <a:r>
+              <a:rPr lang="en-US" sz="2000" dirty="0">
+                <a:latin typeface="Courier New" panose="02070309020205020404" pitchFamily="49" charset="0"/>
+                <a:cs typeface="Courier New" panose="02070309020205020404" pitchFamily="49" charset="0"/>
+              </a:rPr>
+              <a:t> 0                   1                   2                   3</a:t>
+            </a:r>
+          </a:p>
+          <a:p>
+            <a:pPr marL="0" indent="0">
+              <a:spcBef>
+                <a:spcPts val="0"/>
+              </a:spcBef>
+              <a:buClr>
+                <a:srgbClr val="6DB344"/>
+              </a:buClr>
+              <a:buNone/>
+            </a:pPr>
+            <a:r>
+              <a:rPr lang="en-US" sz="2000" dirty="0">
+                <a:latin typeface="Courier New" panose="02070309020205020404" pitchFamily="49" charset="0"/>
+                <a:cs typeface="Courier New" panose="02070309020205020404" pitchFamily="49" charset="0"/>
+              </a:rPr>
+              <a:t>   0 1 2 3 4 5 6 7 8 9 0 1 2 3 4 5 6 7 8 9 0 1 2 3 4 5 6 7 8 9 0 1</a:t>
+            </a:r>
+          </a:p>
+          <a:p>
+            <a:pPr marL="0" indent="0">
+              <a:spcBef>
+                <a:spcPts val="0"/>
+              </a:spcBef>
+              <a:buClr>
+                <a:srgbClr val="6DB344"/>
+              </a:buClr>
+              <a:buNone/>
+            </a:pPr>
+            <a:r>
+              <a:rPr lang="en-US" sz="2000" dirty="0">
+                <a:latin typeface="Courier New" panose="02070309020205020404" pitchFamily="49" charset="0"/>
+                <a:cs typeface="Courier New" panose="02070309020205020404" pitchFamily="49" charset="0"/>
+              </a:rPr>
+              <a:t>  +-+-+-+-+-+-+-+-+-+-+-+-+-+-+-+-+-+-+-+-+-+-+-+-+-+-+-+-+-+-+-+-+</a:t>
+            </a:r>
+          </a:p>
+          <a:p>
+            <a:pPr marL="0" indent="0">
+              <a:spcBef>
+                <a:spcPts val="0"/>
+              </a:spcBef>
+              <a:buClr>
+                <a:srgbClr val="6DB344"/>
+              </a:buClr>
+              <a:buNone/>
+            </a:pPr>
+            <a:r>
+              <a:rPr lang="en-US" sz="2000" dirty="0">
+                <a:latin typeface="Courier New" panose="02070309020205020404" pitchFamily="49" charset="0"/>
+                <a:cs typeface="Courier New" panose="02070309020205020404" pitchFamily="49" charset="0"/>
+              </a:rPr>
+              <a:t>  |                             Flags                       | </a:t>
+            </a:r>
+            <a:r>
+              <a:rPr lang="en-US" sz="2000" dirty="0" err="1">
+                <a:latin typeface="Courier New" panose="02070309020205020404" pitchFamily="49" charset="0"/>
+                <a:cs typeface="Courier New" panose="02070309020205020404" pitchFamily="49" charset="0"/>
+              </a:rPr>
+              <a:t>Oper</a:t>
+            </a:r>
+            <a:r>
+              <a:rPr lang="en-US" sz="2000" dirty="0">
+                <a:latin typeface="Courier New" panose="02070309020205020404" pitchFamily="49" charset="0"/>
+                <a:cs typeface="Courier New" panose="02070309020205020404" pitchFamily="49" charset="0"/>
+              </a:rPr>
+              <a:t>|</a:t>
+            </a:r>
+          </a:p>
+          <a:p>
+            <a:pPr marL="0" indent="0">
+              <a:spcBef>
+                <a:spcPts val="0"/>
+              </a:spcBef>
+              <a:buClr>
+                <a:srgbClr val="6DB344"/>
+              </a:buClr>
+              <a:buNone/>
+            </a:pPr>
+            <a:r>
+              <a:rPr lang="en-US" sz="2000" dirty="0">
+                <a:latin typeface="Courier New" panose="02070309020205020404" pitchFamily="49" charset="0"/>
+                <a:cs typeface="Courier New" panose="02070309020205020404" pitchFamily="49" charset="0"/>
+              </a:rPr>
+              <a:t>  +-+-+-+-+-+-+-+-+-+-+-+-+-+-+-+-+-+-+-+-+-+-+-+-+-+-+-+-+-+-+-+-+</a:t>
+            </a:r>
+          </a:p>
+          <a:p>
+            <a:pPr marL="0" indent="0">
+              <a:spcBef>
+                <a:spcPts val="0"/>
+              </a:spcBef>
+              <a:buClr>
+                <a:srgbClr val="6DB344"/>
+              </a:buClr>
+              <a:buNone/>
+            </a:pPr>
+            <a:r>
+              <a:rPr lang="en-US" sz="2000" dirty="0">
+                <a:latin typeface="Courier New" panose="02070309020205020404" pitchFamily="49" charset="0"/>
+                <a:cs typeface="Courier New" panose="02070309020205020404" pitchFamily="49" charset="0"/>
+              </a:rPr>
+              <a:t>  |                             Weight                            |</a:t>
+            </a:r>
+          </a:p>
+          <a:p>
+            <a:pPr marL="0" indent="0">
+              <a:spcBef>
+                <a:spcPts val="0"/>
+              </a:spcBef>
+              <a:buClr>
+                <a:srgbClr val="6DB344"/>
+              </a:buClr>
+              <a:buNone/>
+            </a:pPr>
+            <a:r>
+              <a:rPr lang="en-US" sz="2000" dirty="0">
+                <a:latin typeface="Courier New" panose="02070309020205020404" pitchFamily="49" charset="0"/>
+                <a:cs typeface="Courier New" panose="02070309020205020404" pitchFamily="49" charset="0"/>
+              </a:rPr>
+              <a:t>  +-+-+-+-+-+-+-+-+-+-+-+-+-+-+-+-+-+-+-+-+-+-+-+-+-+-+-+-+-+-+-+-+</a:t>
+            </a:r>
+          </a:p>
+          <a:p>
+            <a:pPr marL="0" indent="0">
+              <a:spcBef>
+                <a:spcPts val="0"/>
+              </a:spcBef>
+              <a:buClr>
+                <a:srgbClr val="6DB344"/>
+              </a:buClr>
+              <a:buNone/>
+            </a:pPr>
+            <a:r>
+              <a:rPr lang="en-US" sz="2000" dirty="0">
+                <a:latin typeface="Courier New" panose="02070309020205020404" pitchFamily="49" charset="0"/>
+                <a:cs typeface="Courier New" panose="02070309020205020404" pitchFamily="49" charset="0"/>
+              </a:rPr>
+              <a:t>  ~                         Optional TLVs                         ~</a:t>
+            </a:r>
+          </a:p>
+          <a:p>
+            <a:pPr marL="0" indent="0">
+              <a:spcBef>
+                <a:spcPts val="0"/>
+              </a:spcBef>
+              <a:buClr>
+                <a:srgbClr val="6DB344"/>
+              </a:buClr>
+              <a:buNone/>
+            </a:pPr>
+            <a:r>
+              <a:rPr lang="en-US" sz="2000" dirty="0">
+                <a:latin typeface="Courier New" panose="02070309020205020404" pitchFamily="49" charset="0"/>
+                <a:cs typeface="Courier New" panose="02070309020205020404" pitchFamily="49" charset="0"/>
+              </a:rPr>
+              <a:t>  +-+-+-+-+-+-+-+-+-+-+-+-+-+-+-+-+-+-+-+-+-+-+-+-+-+-+-+-+-+-+-+-+</a:t>
+            </a:r>
+          </a:p>
+          <a:p>
+            <a:pPr marL="0" indent="0">
+              <a:spcBef>
+                <a:spcPts val="0"/>
+              </a:spcBef>
+              <a:buClr>
+                <a:srgbClr val="6DB344"/>
+              </a:buClr>
+              <a:buNone/>
             </a:pPr>
             <a:endParaRPr lang="en-US" dirty="0">
               <a:cs typeface="Arial" panose="020B0604020202020204" pitchFamily="34" charset="0"/>
             </a:endParaRPr>
           </a:p>
           <a:p>
-            <a:pPr>
-              <a:spcBef>
-                <a:spcPts val="0"/>
-              </a:spcBef>
-              <a:buClr>
-                <a:srgbClr val="6DB344"/>
-              </a:buClr>
+            <a:pPr marL="0" indent="0">
+              <a:spcBef>
+                <a:spcPts val="0"/>
+              </a:spcBef>
+              <a:buClr>
+                <a:srgbClr val="6DB344"/>
+              </a:buClr>
+              <a:buNone/>
             </a:pPr>
             <a:r>
               <a:rPr lang="en-US" dirty="0">
                 <a:cs typeface="Arial" panose="020B0604020202020204" pitchFamily="34" charset="0"/>
               </a:rPr>
-              <a:t>ECMP among paths with different objectives is not applicable SR-TE.</a:t>
+              <a:t>Support for ERO-ATTRIBUTES can be negotiated in the OPEN message, thus guaranteeing backward compatibility.</a:t>
             </a:r>
           </a:p>
         </p:txBody>
@@ -6390,7 +6420,7 @@
           <p:cNvPr id="4" name="Slide Number Placeholder 3">
             <a:extLst>
               <a:ext uri="{FF2B5EF4-FFF2-40B4-BE49-F238E27FC236}">
-                <a16:creationId xmlns:a16="http://schemas.microsoft.com/office/drawing/2014/main" id="{0649F1E5-C91C-4B32-B196-F6490F3DDD91}"/>
+                <a16:creationId xmlns:a16="http://schemas.microsoft.com/office/drawing/2014/main" id="{79209A08-C3AE-4A13-98AF-9CBCE40509EA}"/>
               </a:ext>
             </a:extLst>
           </p:cNvPr>
@@ -6417,7 +6447,7 @@
     </p:spTree>
     <p:extLst>
       <p:ext uri="{BB962C8B-B14F-4D97-AF65-F5344CB8AC3E}">
-        <p14:creationId xmlns:p14="http://schemas.microsoft.com/office/powerpoint/2010/main" val="116859800"/>
+        <p14:creationId xmlns:p14="http://schemas.microsoft.com/office/powerpoint/2010/main" val="1462570058"/>
       </p:ext>
     </p:extLst>
   </p:cSld>
@@ -6469,7 +6499,7 @@
             <a:pPr algn="ctr"/>
             <a:r>
               <a:rPr lang="en-US" dirty="0"/>
-              <a:t>Analysis of Solution 2a</a:t>
+              <a:t>Analysis of Option B</a:t>
             </a:r>
           </a:p>
         </p:txBody>
@@ -6507,26 +6537,19 @@
             </a:pPr>
             <a:r>
               <a:rPr lang="en-US" dirty="0">
-                <a:cs typeface="Arial" panose="020B0604020202020204" pitchFamily="34" charset="0"/>
-              </a:rPr>
-              <a:t>Solution 2: one LSP contains many EROs.</a:t>
-            </a:r>
-          </a:p>
-          <a:p>
-            <a:pPr marL="0" indent="0">
-              <a:spcBef>
-                <a:spcPts val="0"/>
-              </a:spcBef>
-              <a:buClr>
-                <a:srgbClr val="6DB344"/>
-              </a:buClr>
-              <a:buNone/>
-            </a:pPr>
+                <a:hlinkClick r:id="rId2"/>
+              </a:rPr>
+              <a:t>https://tools.ietf.org/html/rfc8623</a:t>
+            </a:r>
+            <a:r>
+              <a:rPr lang="en-US" dirty="0"/>
+              <a:t>  - </a:t>
+            </a:r>
             <a:r>
               <a:rPr lang="en-US" dirty="0">
                 <a:cs typeface="Arial" panose="020B0604020202020204" pitchFamily="34" charset="0"/>
               </a:rPr>
-              <a:t> Option 2a: define a new object to carry ERO attributes</a:t>
+              <a:t>Stateful Path Computation Element (PCE) Protocol Extensions for Usage with Point-to-Multipoint TE Label Switched Paths (LSPs)</a:t>
             </a:r>
           </a:p>
           <a:p>
@@ -6557,150 +6580,7 @@
               <a:rPr lang="en-US" dirty="0">
                 <a:cs typeface="Arial" panose="020B0604020202020204" pitchFamily="34" charset="0"/>
               </a:rPr>
-              <a:t>We can replace a single ERO object by multiple ERO objects, separated by a new ERO-ATTRIBUTES object.</a:t>
-            </a:r>
-          </a:p>
-          <a:p>
-            <a:pPr marL="0" indent="0">
-              <a:spcBef>
-                <a:spcPts val="0"/>
-              </a:spcBef>
-              <a:buClr>
-                <a:srgbClr val="6DB344"/>
-              </a:buClr>
-              <a:buNone/>
-            </a:pPr>
-            <a:endParaRPr lang="en-US" dirty="0">
-              <a:cs typeface="Arial" panose="020B0604020202020204" pitchFamily="34" charset="0"/>
-            </a:endParaRPr>
-          </a:p>
-          <a:p>
-            <a:pPr marL="0" indent="0">
-              <a:spcBef>
-                <a:spcPts val="0"/>
-              </a:spcBef>
-              <a:buClr>
-                <a:srgbClr val="6DB344"/>
-              </a:buClr>
-              <a:buNone/>
-            </a:pPr>
-            <a:r>
-              <a:rPr lang="en-US" dirty="0">
-                <a:cs typeface="Arial" panose="020B0604020202020204" pitchFamily="34" charset="0"/>
-              </a:rPr>
-              <a:t>Current BNF:</a:t>
-            </a:r>
-          </a:p>
-          <a:p>
-            <a:pPr marL="0" indent="0">
-              <a:spcBef>
-                <a:spcPts val="0"/>
-              </a:spcBef>
-              <a:buClr>
-                <a:srgbClr val="6DB344"/>
-              </a:buClr>
-              <a:buNone/>
-            </a:pPr>
-            <a:r>
-              <a:rPr lang="en-US" dirty="0">
-                <a:cs typeface="Arial" panose="020B0604020202020204" pitchFamily="34" charset="0"/>
-              </a:rPr>
-              <a:t>&lt;intended-path&gt; = &lt;ERO&gt;</a:t>
-            </a:r>
-          </a:p>
-          <a:p>
-            <a:pPr marL="0" indent="0">
-              <a:spcBef>
-                <a:spcPts val="0"/>
-              </a:spcBef>
-              <a:buClr>
-                <a:srgbClr val="6DB344"/>
-              </a:buClr>
-              <a:buNone/>
-            </a:pPr>
-            <a:endParaRPr lang="en-US" dirty="0">
-              <a:cs typeface="Arial" panose="020B0604020202020204" pitchFamily="34" charset="0"/>
-            </a:endParaRPr>
-          </a:p>
-          <a:p>
-            <a:pPr marL="0" indent="0">
-              <a:spcBef>
-                <a:spcPts val="0"/>
-              </a:spcBef>
-              <a:buClr>
-                <a:srgbClr val="6DB344"/>
-              </a:buClr>
-              <a:buNone/>
-            </a:pPr>
-            <a:r>
-              <a:rPr lang="en-US" dirty="0">
-                <a:cs typeface="Arial" panose="020B0604020202020204" pitchFamily="34" charset="0"/>
-              </a:rPr>
-              <a:t>Proposed BNF:</a:t>
-            </a:r>
-            <a:br>
-              <a:rPr lang="en-US" dirty="0">
-                <a:cs typeface="Arial" panose="020B0604020202020204" pitchFamily="34" charset="0"/>
-              </a:rPr>
-            </a:br>
-            <a:r>
-              <a:rPr lang="en-US" dirty="0">
-                <a:cs typeface="Arial" panose="020B0604020202020204" pitchFamily="34" charset="0"/>
-              </a:rPr>
-              <a:t>&lt;intended-path&gt; = &lt;</a:t>
-            </a:r>
-            <a:r>
-              <a:rPr lang="en-US" dirty="0" err="1">
-                <a:cs typeface="Arial" panose="020B0604020202020204" pitchFamily="34" charset="0"/>
-              </a:rPr>
-              <a:t>ero</a:t>
-            </a:r>
-            <a:r>
-              <a:rPr lang="en-US" dirty="0">
-                <a:cs typeface="Arial" panose="020B0604020202020204" pitchFamily="34" charset="0"/>
-              </a:rPr>
-              <a:t>-list&gt;</a:t>
-            </a:r>
-          </a:p>
-          <a:p>
-            <a:pPr marL="0" indent="0">
-              <a:spcBef>
-                <a:spcPts val="0"/>
-              </a:spcBef>
-              <a:buClr>
-                <a:srgbClr val="6DB344"/>
-              </a:buClr>
-              <a:buNone/>
-            </a:pPr>
-            <a:r>
-              <a:rPr lang="en-US" dirty="0">
-                <a:cs typeface="Arial" panose="020B0604020202020204" pitchFamily="34" charset="0"/>
-              </a:rPr>
-              <a:t>&lt;</a:t>
-            </a:r>
-            <a:r>
-              <a:rPr lang="en-US" dirty="0" err="1">
-                <a:cs typeface="Arial" panose="020B0604020202020204" pitchFamily="34" charset="0"/>
-              </a:rPr>
-              <a:t>ero</a:t>
-            </a:r>
-            <a:r>
-              <a:rPr lang="en-US" dirty="0">
-                <a:cs typeface="Arial" panose="020B0604020202020204" pitchFamily="34" charset="0"/>
-              </a:rPr>
-              <a:t>-list&gt; = [&lt;ERO-ATTRIBUTES&gt;]&lt;ERO&gt;[&lt;</a:t>
-            </a:r>
-            <a:r>
-              <a:rPr lang="en-US" dirty="0" err="1">
-                <a:cs typeface="Arial" panose="020B0604020202020204" pitchFamily="34" charset="0"/>
-              </a:rPr>
-              <a:t>ero</a:t>
-            </a:r>
-            <a:r>
-              <a:rPr lang="en-US" dirty="0">
-                <a:cs typeface="Arial" panose="020B0604020202020204" pitchFamily="34" charset="0"/>
-              </a:rPr>
-              <a:t>-list&gt;]</a:t>
+              <a:t>RFC 8623 already defines a way to carry multiple ERO/RRO objects, by using a special type of END-POINTS object and an S2LS object. We can define a new END-POINTS and S2LS object types for P2P load-balancing and then we can follow the same encoding format as RFC 8623.</a:t>
             </a:r>
           </a:p>
         </p:txBody>
@@ -6710,7 +6590,7 @@
           <p:cNvPr id="4" name="Slide Number Placeholder 3">
             <a:extLst>
               <a:ext uri="{FF2B5EF4-FFF2-40B4-BE49-F238E27FC236}">
-                <a16:creationId xmlns:a16="http://schemas.microsoft.com/office/drawing/2014/main" id="{27719979-DE6B-4097-ADE6-E6C8F877F27E}"/>
+                <a16:creationId xmlns:a16="http://schemas.microsoft.com/office/drawing/2014/main" id="{20F6C37E-0FD4-487B-B81D-38E606D7F491}"/>
               </a:ext>
             </a:extLst>
           </p:cNvPr>
@@ -6737,7 +6617,7 @@
     </p:spTree>
     <p:extLst>
       <p:ext uri="{BB962C8B-B14F-4D97-AF65-F5344CB8AC3E}">
-        <p14:creationId xmlns:p14="http://schemas.microsoft.com/office/powerpoint/2010/main" val="615299873"/>
+        <p14:creationId xmlns:p14="http://schemas.microsoft.com/office/powerpoint/2010/main" val="985280877"/>
       </p:ext>
     </p:extLst>
   </p:cSld>
@@ -6789,7 +6669,7 @@
             <a:pPr algn="ctr"/>
             <a:r>
               <a:rPr lang="en-US" dirty="0"/>
-              <a:t>Analysis of Solution 2a (cont’d)</a:t>
+              <a:t>Analysis of Option B (cont’d)</a:t>
             </a:r>
           </a:p>
         </p:txBody>
@@ -6812,7 +6692,7 @@
         </p:spPr>
         <p:txBody>
           <a:bodyPr>
-            <a:normAutofit/>
+            <a:normAutofit lnSpcReduction="10000"/>
           </a:bodyPr>
           <a:lstStyle/>
           <a:p>
@@ -6829,7 +6709,7 @@
               <a:rPr lang="en-US" dirty="0">
                 <a:cs typeface="Arial" panose="020B0604020202020204" pitchFamily="34" charset="0"/>
               </a:rPr>
-              <a:t>Define ERO-ATTRIBUTES object to carry some per-ERO attributes:</a:t>
+              <a:t>S2LS format is almost the same as ERO-ATTRIBUTES, except that it’s missing the Weight field:</a:t>
             </a:r>
           </a:p>
           <a:p>
@@ -6965,7 +6845,7 @@
                 <a:latin typeface="Courier New" panose="02070309020205020404" pitchFamily="49" charset="0"/>
                 <a:cs typeface="Courier New" panose="02070309020205020404" pitchFamily="49" charset="0"/>
               </a:rPr>
-              <a:t>  |                             Weight                            |</a:t>
+              <a:t>  ~                         Optional TLVs                         ~</a:t>
             </a:r>
           </a:p>
           <a:p>
@@ -6996,42 +6876,6 @@
               </a:buClr>
               <a:buNone/>
             </a:pPr>
-            <a:r>
-              <a:rPr lang="en-US" sz="2000" dirty="0">
-                <a:latin typeface="Courier New" panose="02070309020205020404" pitchFamily="49" charset="0"/>
-                <a:cs typeface="Courier New" panose="02070309020205020404" pitchFamily="49" charset="0"/>
-              </a:rPr>
-              <a:t>  ~                         Optional TLVs                         ~</a:t>
-            </a:r>
-          </a:p>
-          <a:p>
-            <a:pPr marL="0" indent="0">
-              <a:spcBef>
-                <a:spcPts val="0"/>
-              </a:spcBef>
-              <a:buClr>
-                <a:srgbClr val="6DB344"/>
-              </a:buClr>
-              <a:buNone/>
-            </a:pPr>
-            <a:r>
-              <a:rPr lang="en-US" sz="2000" dirty="0">
-                <a:latin typeface="Courier New" panose="02070309020205020404" pitchFamily="49" charset="0"/>
-                <a:cs typeface="Courier New" panose="02070309020205020404" pitchFamily="49" charset="0"/>
-              </a:rPr>
-              <a:t>  +-+-+-+-+-+-+-+-+-+-+-+-+-+-+-+-+-+-+-+-+-+-+-+-+-+-+-+-+-+-+-+-+</a:t>
-            </a:r>
-          </a:p>
-          <a:p>
-            <a:pPr marL="0" indent="0">
-              <a:spcBef>
-                <a:spcPts val="0"/>
-              </a:spcBef>
-              <a:buClr>
-                <a:srgbClr val="6DB344"/>
-              </a:buClr>
-              <a:buNone/>
-            </a:pPr>
             <a:endParaRPr lang="en-US" dirty="0">
               <a:cs typeface="Arial" panose="020B0604020202020204" pitchFamily="34" charset="0"/>
             </a:endParaRPr>
@@ -7050,7 +6894,38 @@
               <a:rPr lang="en-US" dirty="0">
                 <a:cs typeface="Arial" panose="020B0604020202020204" pitchFamily="34" charset="0"/>
               </a:rPr>
-              <a:t>Support for ERO-ATTRIBUTES can be negotiated in the OPEN message, thus guaranteeing backward compatibility.</a:t>
+              <a:t>The weight can be either carried in an optional TLV, or it can be embedded directly as part of the new S2LS object type.</a:t>
+            </a:r>
+          </a:p>
+          <a:p>
+            <a:pPr marL="0" indent="0">
+              <a:spcBef>
+                <a:spcPts val="0"/>
+              </a:spcBef>
+              <a:buClr>
+                <a:srgbClr val="6DB344"/>
+              </a:buClr>
+              <a:buNone/>
+            </a:pPr>
+            <a:endParaRPr lang="en-US" dirty="0">
+              <a:cs typeface="Arial" panose="020B0604020202020204" pitchFamily="34" charset="0"/>
+            </a:endParaRPr>
+          </a:p>
+          <a:p>
+            <a:pPr marL="0" indent="0">
+              <a:spcBef>
+                <a:spcPts val="0"/>
+              </a:spcBef>
+              <a:buClr>
+                <a:srgbClr val="6DB344"/>
+              </a:buClr>
+              <a:buNone/>
+            </a:pPr>
+            <a:r>
+              <a:rPr lang="en-US" dirty="0">
+                <a:cs typeface="Arial" panose="020B0604020202020204" pitchFamily="34" charset="0"/>
+              </a:rPr>
+              <a:t>New END-POINTS object type would need to be defined, to specify that the S2LS objects that follow it are for ECMP/UCMP.</a:t>
             </a:r>
           </a:p>
         </p:txBody>
@@ -7060,7 +6935,7 @@
           <p:cNvPr id="4" name="Slide Number Placeholder 3">
             <a:extLst>
               <a:ext uri="{FF2B5EF4-FFF2-40B4-BE49-F238E27FC236}">
-                <a16:creationId xmlns:a16="http://schemas.microsoft.com/office/drawing/2014/main" id="{79209A08-C3AE-4A13-98AF-9CBCE40509EA}"/>
+                <a16:creationId xmlns:a16="http://schemas.microsoft.com/office/drawing/2014/main" id="{5B72A6D9-8C1F-43D4-9A82-27C93F80AA7D}"/>
               </a:ext>
             </a:extLst>
           </p:cNvPr>
@@ -7087,7 +6962,7 @@
     </p:spTree>
     <p:extLst>
       <p:ext uri="{BB962C8B-B14F-4D97-AF65-F5344CB8AC3E}">
-        <p14:creationId xmlns:p14="http://schemas.microsoft.com/office/powerpoint/2010/main" val="1462570058"/>
+        <p14:creationId xmlns:p14="http://schemas.microsoft.com/office/powerpoint/2010/main" val="2245642316"/>
       </p:ext>
     </p:extLst>
   </p:cSld>
